--- a/Gerencia del Proyecto/Roles/OrganigramaEquipo.pptx
+++ b/Gerencia del Proyecto/Roles/OrganigramaEquipo.pptx
@@ -2,12 +2,12 @@
 <file path=ppt/presentation.xml><?xml version="1.0" encoding="utf-8"?>
 <p:presentation xmlns:a="http://schemas.openxmlformats.org/drawingml/2006/main" xmlns:r="http://schemas.openxmlformats.org/officeDocument/2006/relationships" xmlns:p="http://schemas.openxmlformats.org/presentationml/2006/main" saveSubsetFonts="1">
   <p:sldMasterIdLst>
-    <p:sldMasterId id="2147483648" r:id="rId1"/>
+    <p:sldMasterId id="2147483660" r:id="rId1"/>
   </p:sldMasterIdLst>
   <p:sldIdLst>
     <p:sldId id="257" r:id="rId2"/>
   </p:sldIdLst>
-  <p:sldSz cx="12192000" cy="6858000"/>
+  <p:sldSz cx="14400213" cy="6858000"/>
   <p:notesSz cx="6858000" cy="9144000"/>
   <p:defaultTextStyle>
     <a:defPPr>
@@ -104,6 +104,11 @@
       </a:defRPr>
     </a:lvl9pPr>
   </p:defaultTextStyle>
+  <p:extLst>
+    <p:ext uri="{EFAFB233-063F-42B5-8137-9DF3F51BA10A}">
+      <p15:sldGuideLst xmlns:p15="http://schemas.microsoft.com/office/powerpoint/2012/main"/>
+    </p:ext>
+  </p:extLst>
 </p:presentation>
 </file>
 
@@ -126,7 +131,7 @@
       </p:grpSpPr>
       <p:sp>
         <p:nvSpPr>
-          <p:cNvPr id="2" name="Título 1"/>
+          <p:cNvPr id="2" name="Title 1"/>
           <p:cNvSpPr>
             <a:spLocks noGrp="1"/>
           </p:cNvSpPr>
@@ -136,8 +141,8 @@
         </p:nvSpPr>
         <p:spPr>
           <a:xfrm>
-            <a:off x="1524000" y="1122363"/>
-            <a:ext cx="9144000" cy="2387600"/>
+            <a:off x="1800027" y="1122363"/>
+            <a:ext cx="10800160" cy="2387600"/>
           </a:xfrm>
         </p:spPr>
         <p:txBody>
@@ -152,13 +157,13 @@
               <a:rPr lang="es-ES" smtClean="0"/>
               <a:t>Haga clic para modificar el estilo de título del patrón</a:t>
             </a:r>
-            <a:endParaRPr lang="es-CO"/>
-          </a:p>
-        </p:txBody>
-      </p:sp>
-      <p:sp>
-        <p:nvSpPr>
-          <p:cNvPr id="3" name="Subtítulo 2"/>
+            <a:endParaRPr lang="en-US" dirty="0"/>
+          </a:p>
+        </p:txBody>
+      </p:sp>
+      <p:sp>
+        <p:nvSpPr>
+          <p:cNvPr id="3" name="Subtitle 2"/>
           <p:cNvSpPr>
             <a:spLocks noGrp="1"/>
           </p:cNvSpPr>
@@ -168,8 +173,8 @@
         </p:nvSpPr>
         <p:spPr>
           <a:xfrm>
-            <a:off x="1524000" y="3602038"/>
-            <a:ext cx="9144000" cy="1655762"/>
+            <a:off x="1800027" y="3602038"/>
+            <a:ext cx="10800160" cy="1655762"/>
           </a:xfrm>
         </p:spPr>
         <p:txBody>
@@ -217,13 +222,13 @@
               <a:rPr lang="es-ES" smtClean="0"/>
               <a:t>Haga clic para modificar el estilo de subtítulo del patrón</a:t>
             </a:r>
-            <a:endParaRPr lang="es-CO"/>
-          </a:p>
-        </p:txBody>
-      </p:sp>
-      <p:sp>
-        <p:nvSpPr>
-          <p:cNvPr id="4" name="Marcador de fecha 3"/>
+            <a:endParaRPr lang="en-US" dirty="0"/>
+          </a:p>
+        </p:txBody>
+      </p:sp>
+      <p:sp>
+        <p:nvSpPr>
+          <p:cNvPr id="4" name="Date Placeholder 3"/>
           <p:cNvSpPr>
             <a:spLocks noGrp="1"/>
           </p:cNvSpPr>
@@ -238,7 +243,7 @@
           <a:p>
             <a:fld id="{EF8C5229-5677-4191-B782-B48EE3907174}" type="datetimeFigureOut">
               <a:rPr lang="es-CO" smtClean="0"/>
-              <a:t>20/02/2018</a:t>
+              <a:t>23/03/2018</a:t>
             </a:fld>
             <a:endParaRPr lang="es-CO"/>
           </a:p>
@@ -246,7 +251,7 @@
       </p:sp>
       <p:sp>
         <p:nvSpPr>
-          <p:cNvPr id="5" name="Marcador de pie de página 4"/>
+          <p:cNvPr id="5" name="Footer Placeholder 4"/>
           <p:cNvSpPr>
             <a:spLocks noGrp="1"/>
           </p:cNvSpPr>
@@ -265,7 +270,7 @@
       </p:sp>
       <p:sp>
         <p:nvSpPr>
-          <p:cNvPr id="6" name="Marcador de número de diapositiva 5"/>
+          <p:cNvPr id="6" name="Slide Number Placeholder 5"/>
           <p:cNvSpPr>
             <a:spLocks noGrp="1"/>
           </p:cNvSpPr>
@@ -289,7 +294,7 @@
     </p:spTree>
     <p:extLst>
       <p:ext uri="{BB962C8B-B14F-4D97-AF65-F5344CB8AC3E}">
-        <p14:creationId xmlns:p14="http://schemas.microsoft.com/office/powerpoint/2010/main" val="3629898868"/>
+        <p14:creationId xmlns:p14="http://schemas.microsoft.com/office/powerpoint/2010/main" val="644797095"/>
       </p:ext>
     </p:extLst>
   </p:cSld>
@@ -318,7 +323,7 @@
       </p:grpSpPr>
       <p:sp>
         <p:nvSpPr>
-          <p:cNvPr id="2" name="Título 1"/>
+          <p:cNvPr id="2" name="Title 1"/>
           <p:cNvSpPr>
             <a:spLocks noGrp="1"/>
           </p:cNvSpPr>
@@ -335,13 +340,13 @@
               <a:rPr lang="es-ES" smtClean="0"/>
               <a:t>Haga clic para modificar el estilo de título del patrón</a:t>
             </a:r>
-            <a:endParaRPr lang="es-CO"/>
-          </a:p>
-        </p:txBody>
-      </p:sp>
-      <p:sp>
-        <p:nvSpPr>
-          <p:cNvPr id="3" name="Marcador de texto vertical 2"/>
+            <a:endParaRPr lang="en-US" dirty="0"/>
+          </a:p>
+        </p:txBody>
+      </p:sp>
+      <p:sp>
+        <p:nvSpPr>
+          <p:cNvPr id="3" name="Vertical Text Placeholder 2"/>
           <p:cNvSpPr>
             <a:spLocks noGrp="1"/>
           </p:cNvSpPr>
@@ -387,13 +392,13 @@
               <a:rPr lang="es-ES" smtClean="0"/>
               <a:t>Quinto nivel</a:t>
             </a:r>
-            <a:endParaRPr lang="es-CO"/>
-          </a:p>
-        </p:txBody>
-      </p:sp>
-      <p:sp>
-        <p:nvSpPr>
-          <p:cNvPr id="4" name="Marcador de fecha 3"/>
+            <a:endParaRPr lang="en-US" dirty="0"/>
+          </a:p>
+        </p:txBody>
+      </p:sp>
+      <p:sp>
+        <p:nvSpPr>
+          <p:cNvPr id="4" name="Date Placeholder 3"/>
           <p:cNvSpPr>
             <a:spLocks noGrp="1"/>
           </p:cNvSpPr>
@@ -408,7 +413,7 @@
           <a:p>
             <a:fld id="{EF8C5229-5677-4191-B782-B48EE3907174}" type="datetimeFigureOut">
               <a:rPr lang="es-CO" smtClean="0"/>
-              <a:t>20/02/2018</a:t>
+              <a:t>23/03/2018</a:t>
             </a:fld>
             <a:endParaRPr lang="es-CO"/>
           </a:p>
@@ -416,7 +421,7 @@
       </p:sp>
       <p:sp>
         <p:nvSpPr>
-          <p:cNvPr id="5" name="Marcador de pie de página 4"/>
+          <p:cNvPr id="5" name="Footer Placeholder 4"/>
           <p:cNvSpPr>
             <a:spLocks noGrp="1"/>
           </p:cNvSpPr>
@@ -435,7 +440,7 @@
       </p:sp>
       <p:sp>
         <p:nvSpPr>
-          <p:cNvPr id="6" name="Marcador de número de diapositiva 5"/>
+          <p:cNvPr id="6" name="Slide Number Placeholder 5"/>
           <p:cNvSpPr>
             <a:spLocks noGrp="1"/>
           </p:cNvSpPr>
@@ -459,7 +464,7 @@
     </p:spTree>
     <p:extLst>
       <p:ext uri="{BB962C8B-B14F-4D97-AF65-F5344CB8AC3E}">
-        <p14:creationId xmlns:p14="http://schemas.microsoft.com/office/powerpoint/2010/main" val="4225790614"/>
+        <p14:creationId xmlns:p14="http://schemas.microsoft.com/office/powerpoint/2010/main" val="1976039810"/>
       </p:ext>
     </p:extLst>
   </p:cSld>
@@ -488,7 +493,7 @@
       </p:grpSpPr>
       <p:sp>
         <p:nvSpPr>
-          <p:cNvPr id="2" name="Título vertical 1"/>
+          <p:cNvPr id="2" name="Vertical Title 1"/>
           <p:cNvSpPr>
             <a:spLocks noGrp="1"/>
           </p:cNvSpPr>
@@ -498,8 +503,8 @@
         </p:nvSpPr>
         <p:spPr>
           <a:xfrm>
-            <a:off x="8724900" y="365125"/>
-            <a:ext cx="2628900" cy="5811838"/>
+            <a:off x="10305152" y="365125"/>
+            <a:ext cx="3105046" cy="5811838"/>
           </a:xfrm>
         </p:spPr>
         <p:txBody>
@@ -510,13 +515,13 @@
               <a:rPr lang="es-ES" smtClean="0"/>
               <a:t>Haga clic para modificar el estilo de título del patrón</a:t>
             </a:r>
-            <a:endParaRPr lang="es-CO"/>
-          </a:p>
-        </p:txBody>
-      </p:sp>
-      <p:sp>
-        <p:nvSpPr>
-          <p:cNvPr id="3" name="Marcador de texto vertical 2"/>
+            <a:endParaRPr lang="en-US" dirty="0"/>
+          </a:p>
+        </p:txBody>
+      </p:sp>
+      <p:sp>
+        <p:nvSpPr>
+          <p:cNvPr id="3" name="Vertical Text Placeholder 2"/>
           <p:cNvSpPr>
             <a:spLocks noGrp="1"/>
           </p:cNvSpPr>
@@ -526,8 +531,8 @@
         </p:nvSpPr>
         <p:spPr>
           <a:xfrm>
-            <a:off x="838200" y="365125"/>
-            <a:ext cx="7734300" cy="5811838"/>
+            <a:off x="990015" y="365125"/>
+            <a:ext cx="9135135" cy="5811838"/>
           </a:xfrm>
         </p:spPr>
         <p:txBody>
@@ -567,13 +572,13 @@
               <a:rPr lang="es-ES" smtClean="0"/>
               <a:t>Quinto nivel</a:t>
             </a:r>
-            <a:endParaRPr lang="es-CO"/>
-          </a:p>
-        </p:txBody>
-      </p:sp>
-      <p:sp>
-        <p:nvSpPr>
-          <p:cNvPr id="4" name="Marcador de fecha 3"/>
+            <a:endParaRPr lang="en-US" dirty="0"/>
+          </a:p>
+        </p:txBody>
+      </p:sp>
+      <p:sp>
+        <p:nvSpPr>
+          <p:cNvPr id="4" name="Date Placeholder 3"/>
           <p:cNvSpPr>
             <a:spLocks noGrp="1"/>
           </p:cNvSpPr>
@@ -588,7 +593,7 @@
           <a:p>
             <a:fld id="{EF8C5229-5677-4191-B782-B48EE3907174}" type="datetimeFigureOut">
               <a:rPr lang="es-CO" smtClean="0"/>
-              <a:t>20/02/2018</a:t>
+              <a:t>23/03/2018</a:t>
             </a:fld>
             <a:endParaRPr lang="es-CO"/>
           </a:p>
@@ -596,7 +601,7 @@
       </p:sp>
       <p:sp>
         <p:nvSpPr>
-          <p:cNvPr id="5" name="Marcador de pie de página 4"/>
+          <p:cNvPr id="5" name="Footer Placeholder 4"/>
           <p:cNvSpPr>
             <a:spLocks noGrp="1"/>
           </p:cNvSpPr>
@@ -615,7 +620,7 @@
       </p:sp>
       <p:sp>
         <p:nvSpPr>
-          <p:cNvPr id="6" name="Marcador de número de diapositiva 5"/>
+          <p:cNvPr id="6" name="Slide Number Placeholder 5"/>
           <p:cNvSpPr>
             <a:spLocks noGrp="1"/>
           </p:cNvSpPr>
@@ -639,7 +644,7 @@
     </p:spTree>
     <p:extLst>
       <p:ext uri="{BB962C8B-B14F-4D97-AF65-F5344CB8AC3E}">
-        <p14:creationId xmlns:p14="http://schemas.microsoft.com/office/powerpoint/2010/main" val="3979608746"/>
+        <p14:creationId xmlns:p14="http://schemas.microsoft.com/office/powerpoint/2010/main" val="3428405999"/>
       </p:ext>
     </p:extLst>
   </p:cSld>
@@ -668,7 +673,7 @@
       </p:grpSpPr>
       <p:sp>
         <p:nvSpPr>
-          <p:cNvPr id="2" name="Título 1"/>
+          <p:cNvPr id="2" name="Title 1"/>
           <p:cNvSpPr>
             <a:spLocks noGrp="1"/>
           </p:cNvSpPr>
@@ -685,13 +690,13 @@
               <a:rPr lang="es-ES" smtClean="0"/>
               <a:t>Haga clic para modificar el estilo de título del patrón</a:t>
             </a:r>
-            <a:endParaRPr lang="es-CO"/>
-          </a:p>
-        </p:txBody>
-      </p:sp>
-      <p:sp>
-        <p:nvSpPr>
-          <p:cNvPr id="3" name="Marcador de contenido 2"/>
+            <a:endParaRPr lang="en-US" dirty="0"/>
+          </a:p>
+        </p:txBody>
+      </p:sp>
+      <p:sp>
+        <p:nvSpPr>
+          <p:cNvPr id="3" name="Content Placeholder 2"/>
           <p:cNvSpPr>
             <a:spLocks noGrp="1"/>
           </p:cNvSpPr>
@@ -737,13 +742,13 @@
               <a:rPr lang="es-ES" smtClean="0"/>
               <a:t>Quinto nivel</a:t>
             </a:r>
-            <a:endParaRPr lang="es-CO"/>
-          </a:p>
-        </p:txBody>
-      </p:sp>
-      <p:sp>
-        <p:nvSpPr>
-          <p:cNvPr id="4" name="Marcador de fecha 3"/>
+            <a:endParaRPr lang="en-US" dirty="0"/>
+          </a:p>
+        </p:txBody>
+      </p:sp>
+      <p:sp>
+        <p:nvSpPr>
+          <p:cNvPr id="4" name="Date Placeholder 3"/>
           <p:cNvSpPr>
             <a:spLocks noGrp="1"/>
           </p:cNvSpPr>
@@ -758,7 +763,7 @@
           <a:p>
             <a:fld id="{EF8C5229-5677-4191-B782-B48EE3907174}" type="datetimeFigureOut">
               <a:rPr lang="es-CO" smtClean="0"/>
-              <a:t>20/02/2018</a:t>
+              <a:t>23/03/2018</a:t>
             </a:fld>
             <a:endParaRPr lang="es-CO"/>
           </a:p>
@@ -766,7 +771,7 @@
       </p:sp>
       <p:sp>
         <p:nvSpPr>
-          <p:cNvPr id="5" name="Marcador de pie de página 4"/>
+          <p:cNvPr id="5" name="Footer Placeholder 4"/>
           <p:cNvSpPr>
             <a:spLocks noGrp="1"/>
           </p:cNvSpPr>
@@ -785,7 +790,7 @@
       </p:sp>
       <p:sp>
         <p:nvSpPr>
-          <p:cNvPr id="6" name="Marcador de número de diapositiva 5"/>
+          <p:cNvPr id="6" name="Slide Number Placeholder 5"/>
           <p:cNvSpPr>
             <a:spLocks noGrp="1"/>
           </p:cNvSpPr>
@@ -809,7 +814,7 @@
     </p:spTree>
     <p:extLst>
       <p:ext uri="{BB962C8B-B14F-4D97-AF65-F5344CB8AC3E}">
-        <p14:creationId xmlns:p14="http://schemas.microsoft.com/office/powerpoint/2010/main" val="3901513128"/>
+        <p14:creationId xmlns:p14="http://schemas.microsoft.com/office/powerpoint/2010/main" val="3059305046"/>
       </p:ext>
     </p:extLst>
   </p:cSld>
@@ -838,7 +843,7 @@
       </p:grpSpPr>
       <p:sp>
         <p:nvSpPr>
-          <p:cNvPr id="2" name="Título 1"/>
+          <p:cNvPr id="2" name="Title 1"/>
           <p:cNvSpPr>
             <a:spLocks noGrp="1"/>
           </p:cNvSpPr>
@@ -848,8 +853,8 @@
         </p:nvSpPr>
         <p:spPr>
           <a:xfrm>
-            <a:off x="831850" y="1709738"/>
-            <a:ext cx="10515600" cy="2852737"/>
+            <a:off x="982514" y="1709739"/>
+            <a:ext cx="12420184" cy="2852737"/>
           </a:xfrm>
         </p:spPr>
         <p:txBody>
@@ -864,13 +869,13 @@
               <a:rPr lang="es-ES" smtClean="0"/>
               <a:t>Haga clic para modificar el estilo de título del patrón</a:t>
             </a:r>
-            <a:endParaRPr lang="es-CO"/>
-          </a:p>
-        </p:txBody>
-      </p:sp>
-      <p:sp>
-        <p:nvSpPr>
-          <p:cNvPr id="3" name="Marcador de texto 2"/>
+            <a:endParaRPr lang="en-US" dirty="0"/>
+          </a:p>
+        </p:txBody>
+      </p:sp>
+      <p:sp>
+        <p:nvSpPr>
+          <p:cNvPr id="3" name="Text Placeholder 2"/>
           <p:cNvSpPr>
             <a:spLocks noGrp="1"/>
           </p:cNvSpPr>
@@ -880,8 +885,8 @@
         </p:nvSpPr>
         <p:spPr>
           <a:xfrm>
-            <a:off x="831850" y="4589463"/>
-            <a:ext cx="10515600" cy="1500187"/>
+            <a:off x="982514" y="4589464"/>
+            <a:ext cx="12420184" cy="1500187"/>
           </a:xfrm>
         </p:spPr>
         <p:txBody>
@@ -989,7 +994,7 @@
       </p:sp>
       <p:sp>
         <p:nvSpPr>
-          <p:cNvPr id="4" name="Marcador de fecha 3"/>
+          <p:cNvPr id="4" name="Date Placeholder 3"/>
           <p:cNvSpPr>
             <a:spLocks noGrp="1"/>
           </p:cNvSpPr>
@@ -1004,7 +1009,7 @@
           <a:p>
             <a:fld id="{EF8C5229-5677-4191-B782-B48EE3907174}" type="datetimeFigureOut">
               <a:rPr lang="es-CO" smtClean="0"/>
-              <a:t>20/02/2018</a:t>
+              <a:t>23/03/2018</a:t>
             </a:fld>
             <a:endParaRPr lang="es-CO"/>
           </a:p>
@@ -1012,7 +1017,7 @@
       </p:sp>
       <p:sp>
         <p:nvSpPr>
-          <p:cNvPr id="5" name="Marcador de pie de página 4"/>
+          <p:cNvPr id="5" name="Footer Placeholder 4"/>
           <p:cNvSpPr>
             <a:spLocks noGrp="1"/>
           </p:cNvSpPr>
@@ -1031,7 +1036,7 @@
       </p:sp>
       <p:sp>
         <p:nvSpPr>
-          <p:cNvPr id="6" name="Marcador de número de diapositiva 5"/>
+          <p:cNvPr id="6" name="Slide Number Placeholder 5"/>
           <p:cNvSpPr>
             <a:spLocks noGrp="1"/>
           </p:cNvSpPr>
@@ -1055,7 +1060,7 @@
     </p:spTree>
     <p:extLst>
       <p:ext uri="{BB962C8B-B14F-4D97-AF65-F5344CB8AC3E}">
-        <p14:creationId xmlns:p14="http://schemas.microsoft.com/office/powerpoint/2010/main" val="668324124"/>
+        <p14:creationId xmlns:p14="http://schemas.microsoft.com/office/powerpoint/2010/main" val="182599446"/>
       </p:ext>
     </p:extLst>
   </p:cSld>
@@ -1084,7 +1089,7 @@
       </p:grpSpPr>
       <p:sp>
         <p:nvSpPr>
-          <p:cNvPr id="2" name="Título 1"/>
+          <p:cNvPr id="2" name="Title 1"/>
           <p:cNvSpPr>
             <a:spLocks noGrp="1"/>
           </p:cNvSpPr>
@@ -1101,13 +1106,13 @@
               <a:rPr lang="es-ES" smtClean="0"/>
               <a:t>Haga clic para modificar el estilo de título del patrón</a:t>
             </a:r>
-            <a:endParaRPr lang="es-CO"/>
-          </a:p>
-        </p:txBody>
-      </p:sp>
-      <p:sp>
-        <p:nvSpPr>
-          <p:cNvPr id="3" name="Marcador de contenido 2"/>
+            <a:endParaRPr lang="en-US" dirty="0"/>
+          </a:p>
+        </p:txBody>
+      </p:sp>
+      <p:sp>
+        <p:nvSpPr>
+          <p:cNvPr id="3" name="Content Placeholder 2"/>
           <p:cNvSpPr>
             <a:spLocks noGrp="1"/>
           </p:cNvSpPr>
@@ -1117,8 +1122,8 @@
         </p:nvSpPr>
         <p:spPr>
           <a:xfrm>
-            <a:off x="838200" y="1825625"/>
-            <a:ext cx="5181600" cy="4351338"/>
+            <a:off x="990014" y="1825625"/>
+            <a:ext cx="6120091" cy="4351338"/>
           </a:xfrm>
         </p:spPr>
         <p:txBody>
@@ -1158,13 +1163,13 @@
               <a:rPr lang="es-ES" smtClean="0"/>
               <a:t>Quinto nivel</a:t>
             </a:r>
-            <a:endParaRPr lang="es-CO"/>
-          </a:p>
-        </p:txBody>
-      </p:sp>
-      <p:sp>
-        <p:nvSpPr>
-          <p:cNvPr id="4" name="Marcador de contenido 3"/>
+            <a:endParaRPr lang="en-US" dirty="0"/>
+          </a:p>
+        </p:txBody>
+      </p:sp>
+      <p:sp>
+        <p:nvSpPr>
+          <p:cNvPr id="4" name="Content Placeholder 3"/>
           <p:cNvSpPr>
             <a:spLocks noGrp="1"/>
           </p:cNvSpPr>
@@ -1174,8 +1179,8 @@
         </p:nvSpPr>
         <p:spPr>
           <a:xfrm>
-            <a:off x="6172200" y="1825625"/>
-            <a:ext cx="5181600" cy="4351338"/>
+            <a:off x="7290108" y="1825625"/>
+            <a:ext cx="6120091" cy="4351338"/>
           </a:xfrm>
         </p:spPr>
         <p:txBody>
@@ -1215,13 +1220,13 @@
               <a:rPr lang="es-ES" smtClean="0"/>
               <a:t>Quinto nivel</a:t>
             </a:r>
-            <a:endParaRPr lang="es-CO"/>
-          </a:p>
-        </p:txBody>
-      </p:sp>
-      <p:sp>
-        <p:nvSpPr>
-          <p:cNvPr id="5" name="Marcador de fecha 4"/>
+            <a:endParaRPr lang="en-US" dirty="0"/>
+          </a:p>
+        </p:txBody>
+      </p:sp>
+      <p:sp>
+        <p:nvSpPr>
+          <p:cNvPr id="5" name="Date Placeholder 4"/>
           <p:cNvSpPr>
             <a:spLocks noGrp="1"/>
           </p:cNvSpPr>
@@ -1236,7 +1241,7 @@
           <a:p>
             <a:fld id="{EF8C5229-5677-4191-B782-B48EE3907174}" type="datetimeFigureOut">
               <a:rPr lang="es-CO" smtClean="0"/>
-              <a:t>20/02/2018</a:t>
+              <a:t>23/03/2018</a:t>
             </a:fld>
             <a:endParaRPr lang="es-CO"/>
           </a:p>
@@ -1244,7 +1249,7 @@
       </p:sp>
       <p:sp>
         <p:nvSpPr>
-          <p:cNvPr id="6" name="Marcador de pie de página 5"/>
+          <p:cNvPr id="6" name="Footer Placeholder 5"/>
           <p:cNvSpPr>
             <a:spLocks noGrp="1"/>
           </p:cNvSpPr>
@@ -1263,7 +1268,7 @@
       </p:sp>
       <p:sp>
         <p:nvSpPr>
-          <p:cNvPr id="7" name="Marcador de número de diapositiva 6"/>
+          <p:cNvPr id="7" name="Slide Number Placeholder 6"/>
           <p:cNvSpPr>
             <a:spLocks noGrp="1"/>
           </p:cNvSpPr>
@@ -1287,7 +1292,7 @@
     </p:spTree>
     <p:extLst>
       <p:ext uri="{BB962C8B-B14F-4D97-AF65-F5344CB8AC3E}">
-        <p14:creationId xmlns:p14="http://schemas.microsoft.com/office/powerpoint/2010/main" val="3276505658"/>
+        <p14:creationId xmlns:p14="http://schemas.microsoft.com/office/powerpoint/2010/main" val="1687693867"/>
       </p:ext>
     </p:extLst>
   </p:cSld>
@@ -1316,7 +1321,7 @@
       </p:grpSpPr>
       <p:sp>
         <p:nvSpPr>
-          <p:cNvPr id="2" name="Título 1"/>
+          <p:cNvPr id="2" name="Title 1"/>
           <p:cNvSpPr>
             <a:spLocks noGrp="1"/>
           </p:cNvSpPr>
@@ -1326,8 +1331,8 @@
         </p:nvSpPr>
         <p:spPr>
           <a:xfrm>
-            <a:off x="839788" y="365125"/>
-            <a:ext cx="10515600" cy="1325563"/>
+            <a:off x="991890" y="365126"/>
+            <a:ext cx="12420184" cy="1325563"/>
           </a:xfrm>
         </p:spPr>
         <p:txBody>
@@ -1338,13 +1343,13 @@
               <a:rPr lang="es-ES" smtClean="0"/>
               <a:t>Haga clic para modificar el estilo de título del patrón</a:t>
             </a:r>
-            <a:endParaRPr lang="es-CO"/>
-          </a:p>
-        </p:txBody>
-      </p:sp>
-      <p:sp>
-        <p:nvSpPr>
-          <p:cNvPr id="3" name="Marcador de texto 2"/>
+            <a:endParaRPr lang="en-US" dirty="0"/>
+          </a:p>
+        </p:txBody>
+      </p:sp>
+      <p:sp>
+        <p:nvSpPr>
+          <p:cNvPr id="3" name="Text Placeholder 2"/>
           <p:cNvSpPr>
             <a:spLocks noGrp="1"/>
           </p:cNvSpPr>
@@ -1354,8 +1359,8 @@
         </p:nvSpPr>
         <p:spPr>
           <a:xfrm>
-            <a:off x="839788" y="1681163"/>
-            <a:ext cx="5157787" cy="823912"/>
+            <a:off x="991891" y="1681163"/>
+            <a:ext cx="6091965" cy="823912"/>
           </a:xfrm>
         </p:spPr>
         <p:txBody>
@@ -1409,7 +1414,7 @@
       </p:sp>
       <p:sp>
         <p:nvSpPr>
-          <p:cNvPr id="4" name="Marcador de contenido 3"/>
+          <p:cNvPr id="4" name="Content Placeholder 3"/>
           <p:cNvSpPr>
             <a:spLocks noGrp="1"/>
           </p:cNvSpPr>
@@ -1419,8 +1424,8 @@
         </p:nvSpPr>
         <p:spPr>
           <a:xfrm>
-            <a:off x="839788" y="2505075"/>
-            <a:ext cx="5157787" cy="3684588"/>
+            <a:off x="991891" y="2505075"/>
+            <a:ext cx="6091965" cy="3684588"/>
           </a:xfrm>
         </p:spPr>
         <p:txBody>
@@ -1460,13 +1465,13 @@
               <a:rPr lang="es-ES" smtClean="0"/>
               <a:t>Quinto nivel</a:t>
             </a:r>
-            <a:endParaRPr lang="es-CO"/>
-          </a:p>
-        </p:txBody>
-      </p:sp>
-      <p:sp>
-        <p:nvSpPr>
-          <p:cNvPr id="5" name="Marcador de texto 4"/>
+            <a:endParaRPr lang="en-US" dirty="0"/>
+          </a:p>
+        </p:txBody>
+      </p:sp>
+      <p:sp>
+        <p:nvSpPr>
+          <p:cNvPr id="5" name="Text Placeholder 4"/>
           <p:cNvSpPr>
             <a:spLocks noGrp="1"/>
           </p:cNvSpPr>
@@ -1476,8 +1481,8 @@
         </p:nvSpPr>
         <p:spPr>
           <a:xfrm>
-            <a:off x="6172200" y="1681163"/>
-            <a:ext cx="5183188" cy="823912"/>
+            <a:off x="7290108" y="1681163"/>
+            <a:ext cx="6121966" cy="823912"/>
           </a:xfrm>
         </p:spPr>
         <p:txBody>
@@ -1531,7 +1536,7 @@
       </p:sp>
       <p:sp>
         <p:nvSpPr>
-          <p:cNvPr id="6" name="Marcador de contenido 5"/>
+          <p:cNvPr id="6" name="Content Placeholder 5"/>
           <p:cNvSpPr>
             <a:spLocks noGrp="1"/>
           </p:cNvSpPr>
@@ -1541,8 +1546,8 @@
         </p:nvSpPr>
         <p:spPr>
           <a:xfrm>
-            <a:off x="6172200" y="2505075"/>
-            <a:ext cx="5183188" cy="3684588"/>
+            <a:off x="7290108" y="2505075"/>
+            <a:ext cx="6121966" cy="3684588"/>
           </a:xfrm>
         </p:spPr>
         <p:txBody>
@@ -1582,13 +1587,13 @@
               <a:rPr lang="es-ES" smtClean="0"/>
               <a:t>Quinto nivel</a:t>
             </a:r>
-            <a:endParaRPr lang="es-CO"/>
-          </a:p>
-        </p:txBody>
-      </p:sp>
-      <p:sp>
-        <p:nvSpPr>
-          <p:cNvPr id="7" name="Marcador de fecha 6"/>
+            <a:endParaRPr lang="en-US" dirty="0"/>
+          </a:p>
+        </p:txBody>
+      </p:sp>
+      <p:sp>
+        <p:nvSpPr>
+          <p:cNvPr id="7" name="Date Placeholder 6"/>
           <p:cNvSpPr>
             <a:spLocks noGrp="1"/>
           </p:cNvSpPr>
@@ -1603,7 +1608,7 @@
           <a:p>
             <a:fld id="{EF8C5229-5677-4191-B782-B48EE3907174}" type="datetimeFigureOut">
               <a:rPr lang="es-CO" smtClean="0"/>
-              <a:t>20/02/2018</a:t>
+              <a:t>23/03/2018</a:t>
             </a:fld>
             <a:endParaRPr lang="es-CO"/>
           </a:p>
@@ -1611,7 +1616,7 @@
       </p:sp>
       <p:sp>
         <p:nvSpPr>
-          <p:cNvPr id="8" name="Marcador de pie de página 7"/>
+          <p:cNvPr id="8" name="Footer Placeholder 7"/>
           <p:cNvSpPr>
             <a:spLocks noGrp="1"/>
           </p:cNvSpPr>
@@ -1630,7 +1635,7 @@
       </p:sp>
       <p:sp>
         <p:nvSpPr>
-          <p:cNvPr id="9" name="Marcador de número de diapositiva 8"/>
+          <p:cNvPr id="9" name="Slide Number Placeholder 8"/>
           <p:cNvSpPr>
             <a:spLocks noGrp="1"/>
           </p:cNvSpPr>
@@ -1654,7 +1659,7 @@
     </p:spTree>
     <p:extLst>
       <p:ext uri="{BB962C8B-B14F-4D97-AF65-F5344CB8AC3E}">
-        <p14:creationId xmlns:p14="http://schemas.microsoft.com/office/powerpoint/2010/main" val="1729306311"/>
+        <p14:creationId xmlns:p14="http://schemas.microsoft.com/office/powerpoint/2010/main" val="1878376962"/>
       </p:ext>
     </p:extLst>
   </p:cSld>
@@ -1683,7 +1688,7 @@
       </p:grpSpPr>
       <p:sp>
         <p:nvSpPr>
-          <p:cNvPr id="2" name="Título 1"/>
+          <p:cNvPr id="2" name="Title 1"/>
           <p:cNvSpPr>
             <a:spLocks noGrp="1"/>
           </p:cNvSpPr>
@@ -1700,13 +1705,13 @@
               <a:rPr lang="es-ES" smtClean="0"/>
               <a:t>Haga clic para modificar el estilo de título del patrón</a:t>
             </a:r>
-            <a:endParaRPr lang="es-CO"/>
-          </a:p>
-        </p:txBody>
-      </p:sp>
-      <p:sp>
-        <p:nvSpPr>
-          <p:cNvPr id="3" name="Marcador de fecha 2"/>
+            <a:endParaRPr lang="en-US" dirty="0"/>
+          </a:p>
+        </p:txBody>
+      </p:sp>
+      <p:sp>
+        <p:nvSpPr>
+          <p:cNvPr id="3" name="Date Placeholder 2"/>
           <p:cNvSpPr>
             <a:spLocks noGrp="1"/>
           </p:cNvSpPr>
@@ -1721,7 +1726,7 @@
           <a:p>
             <a:fld id="{EF8C5229-5677-4191-B782-B48EE3907174}" type="datetimeFigureOut">
               <a:rPr lang="es-CO" smtClean="0"/>
-              <a:t>20/02/2018</a:t>
+              <a:t>23/03/2018</a:t>
             </a:fld>
             <a:endParaRPr lang="es-CO"/>
           </a:p>
@@ -1729,7 +1734,7 @@
       </p:sp>
       <p:sp>
         <p:nvSpPr>
-          <p:cNvPr id="4" name="Marcador de pie de página 3"/>
+          <p:cNvPr id="4" name="Footer Placeholder 3"/>
           <p:cNvSpPr>
             <a:spLocks noGrp="1"/>
           </p:cNvSpPr>
@@ -1748,7 +1753,7 @@
       </p:sp>
       <p:sp>
         <p:nvSpPr>
-          <p:cNvPr id="5" name="Marcador de número de diapositiva 4"/>
+          <p:cNvPr id="5" name="Slide Number Placeholder 4"/>
           <p:cNvSpPr>
             <a:spLocks noGrp="1"/>
           </p:cNvSpPr>
@@ -1772,7 +1777,7 @@
     </p:spTree>
     <p:extLst>
       <p:ext uri="{BB962C8B-B14F-4D97-AF65-F5344CB8AC3E}">
-        <p14:creationId xmlns:p14="http://schemas.microsoft.com/office/powerpoint/2010/main" val="841977674"/>
+        <p14:creationId xmlns:p14="http://schemas.microsoft.com/office/powerpoint/2010/main" val="2636644391"/>
       </p:ext>
     </p:extLst>
   </p:cSld>
@@ -1801,7 +1806,7 @@
       </p:grpSpPr>
       <p:sp>
         <p:nvSpPr>
-          <p:cNvPr id="2" name="Marcador de fecha 1"/>
+          <p:cNvPr id="2" name="Date Placeholder 1"/>
           <p:cNvSpPr>
             <a:spLocks noGrp="1"/>
           </p:cNvSpPr>
@@ -1816,7 +1821,7 @@
           <a:p>
             <a:fld id="{EF8C5229-5677-4191-B782-B48EE3907174}" type="datetimeFigureOut">
               <a:rPr lang="es-CO" smtClean="0"/>
-              <a:t>20/02/2018</a:t>
+              <a:t>23/03/2018</a:t>
             </a:fld>
             <a:endParaRPr lang="es-CO"/>
           </a:p>
@@ -1824,7 +1829,7 @@
       </p:sp>
       <p:sp>
         <p:nvSpPr>
-          <p:cNvPr id="3" name="Marcador de pie de página 2"/>
+          <p:cNvPr id="3" name="Footer Placeholder 2"/>
           <p:cNvSpPr>
             <a:spLocks noGrp="1"/>
           </p:cNvSpPr>
@@ -1843,7 +1848,7 @@
       </p:sp>
       <p:sp>
         <p:nvSpPr>
-          <p:cNvPr id="4" name="Marcador de número de diapositiva 3"/>
+          <p:cNvPr id="4" name="Slide Number Placeholder 3"/>
           <p:cNvSpPr>
             <a:spLocks noGrp="1"/>
           </p:cNvSpPr>
@@ -1867,7 +1872,7 @@
     </p:spTree>
     <p:extLst>
       <p:ext uri="{BB962C8B-B14F-4D97-AF65-F5344CB8AC3E}">
-        <p14:creationId xmlns:p14="http://schemas.microsoft.com/office/powerpoint/2010/main" val="2993663771"/>
+        <p14:creationId xmlns:p14="http://schemas.microsoft.com/office/powerpoint/2010/main" val="3461499574"/>
       </p:ext>
     </p:extLst>
   </p:cSld>
@@ -1896,7 +1901,7 @@
       </p:grpSpPr>
       <p:sp>
         <p:nvSpPr>
-          <p:cNvPr id="2" name="Título 1"/>
+          <p:cNvPr id="2" name="Title 1"/>
           <p:cNvSpPr>
             <a:spLocks noGrp="1"/>
           </p:cNvSpPr>
@@ -1906,8 +1911,8 @@
         </p:nvSpPr>
         <p:spPr>
           <a:xfrm>
-            <a:off x="839788" y="457200"/>
-            <a:ext cx="3932237" cy="1600200"/>
+            <a:off x="991891" y="457200"/>
+            <a:ext cx="4644443" cy="1600200"/>
           </a:xfrm>
         </p:spPr>
         <p:txBody>
@@ -1922,13 +1927,13 @@
               <a:rPr lang="es-ES" smtClean="0"/>
               <a:t>Haga clic para modificar el estilo de título del patrón</a:t>
             </a:r>
-            <a:endParaRPr lang="es-CO"/>
-          </a:p>
-        </p:txBody>
-      </p:sp>
-      <p:sp>
-        <p:nvSpPr>
-          <p:cNvPr id="3" name="Marcador de contenido 2"/>
+            <a:endParaRPr lang="en-US" dirty="0"/>
+          </a:p>
+        </p:txBody>
+      </p:sp>
+      <p:sp>
+        <p:nvSpPr>
+          <p:cNvPr id="3" name="Content Placeholder 2"/>
           <p:cNvSpPr>
             <a:spLocks noGrp="1"/>
           </p:cNvSpPr>
@@ -1938,8 +1943,8 @@
         </p:nvSpPr>
         <p:spPr>
           <a:xfrm>
-            <a:off x="5183188" y="987425"/>
-            <a:ext cx="6172200" cy="4873625"/>
+            <a:off x="6121966" y="987426"/>
+            <a:ext cx="7290108" cy="4873625"/>
           </a:xfrm>
         </p:spPr>
         <p:txBody>
@@ -2007,13 +2012,13 @@
               <a:rPr lang="es-ES" smtClean="0"/>
               <a:t>Quinto nivel</a:t>
             </a:r>
-            <a:endParaRPr lang="es-CO"/>
-          </a:p>
-        </p:txBody>
-      </p:sp>
-      <p:sp>
-        <p:nvSpPr>
-          <p:cNvPr id="4" name="Marcador de texto 3"/>
+            <a:endParaRPr lang="en-US" dirty="0"/>
+          </a:p>
+        </p:txBody>
+      </p:sp>
+      <p:sp>
+        <p:nvSpPr>
+          <p:cNvPr id="4" name="Text Placeholder 3"/>
           <p:cNvSpPr>
             <a:spLocks noGrp="1"/>
           </p:cNvSpPr>
@@ -2023,8 +2028,8 @@
         </p:nvSpPr>
         <p:spPr>
           <a:xfrm>
-            <a:off x="839788" y="2057400"/>
-            <a:ext cx="3932237" cy="3811588"/>
+            <a:off x="991891" y="2057400"/>
+            <a:ext cx="4644443" cy="3811588"/>
           </a:xfrm>
         </p:spPr>
         <p:txBody>
@@ -2078,7 +2083,7 @@
       </p:sp>
       <p:sp>
         <p:nvSpPr>
-          <p:cNvPr id="5" name="Marcador de fecha 4"/>
+          <p:cNvPr id="5" name="Date Placeholder 4"/>
           <p:cNvSpPr>
             <a:spLocks noGrp="1"/>
           </p:cNvSpPr>
@@ -2093,7 +2098,7 @@
           <a:p>
             <a:fld id="{EF8C5229-5677-4191-B782-B48EE3907174}" type="datetimeFigureOut">
               <a:rPr lang="es-CO" smtClean="0"/>
-              <a:t>20/02/2018</a:t>
+              <a:t>23/03/2018</a:t>
             </a:fld>
             <a:endParaRPr lang="es-CO"/>
           </a:p>
@@ -2101,7 +2106,7 @@
       </p:sp>
       <p:sp>
         <p:nvSpPr>
-          <p:cNvPr id="6" name="Marcador de pie de página 5"/>
+          <p:cNvPr id="6" name="Footer Placeholder 5"/>
           <p:cNvSpPr>
             <a:spLocks noGrp="1"/>
           </p:cNvSpPr>
@@ -2120,7 +2125,7 @@
       </p:sp>
       <p:sp>
         <p:nvSpPr>
-          <p:cNvPr id="7" name="Marcador de número de diapositiva 6"/>
+          <p:cNvPr id="7" name="Slide Number Placeholder 6"/>
           <p:cNvSpPr>
             <a:spLocks noGrp="1"/>
           </p:cNvSpPr>
@@ -2144,7 +2149,7 @@
     </p:spTree>
     <p:extLst>
       <p:ext uri="{BB962C8B-B14F-4D97-AF65-F5344CB8AC3E}">
-        <p14:creationId xmlns:p14="http://schemas.microsoft.com/office/powerpoint/2010/main" val="3601556704"/>
+        <p14:creationId xmlns:p14="http://schemas.microsoft.com/office/powerpoint/2010/main" val="3660627167"/>
       </p:ext>
     </p:extLst>
   </p:cSld>
@@ -2173,7 +2178,7 @@
       </p:grpSpPr>
       <p:sp>
         <p:nvSpPr>
-          <p:cNvPr id="2" name="Título 1"/>
+          <p:cNvPr id="2" name="Title 1"/>
           <p:cNvSpPr>
             <a:spLocks noGrp="1"/>
           </p:cNvSpPr>
@@ -2183,8 +2188,8 @@
         </p:nvSpPr>
         <p:spPr>
           <a:xfrm>
-            <a:off x="839788" y="457200"/>
-            <a:ext cx="3932237" cy="1600200"/>
+            <a:off x="991891" y="457200"/>
+            <a:ext cx="4644443" cy="1600200"/>
           </a:xfrm>
         </p:spPr>
         <p:txBody>
@@ -2199,15 +2204,15 @@
               <a:rPr lang="es-ES" smtClean="0"/>
               <a:t>Haga clic para modificar el estilo de título del patrón</a:t>
             </a:r>
-            <a:endParaRPr lang="es-CO"/>
-          </a:p>
-        </p:txBody>
-      </p:sp>
-      <p:sp>
-        <p:nvSpPr>
-          <p:cNvPr id="3" name="Marcador de posición de imagen 2"/>
-          <p:cNvSpPr>
-            <a:spLocks noGrp="1"/>
+            <a:endParaRPr lang="en-US" dirty="0"/>
+          </a:p>
+        </p:txBody>
+      </p:sp>
+      <p:sp>
+        <p:nvSpPr>
+          <p:cNvPr id="3" name="Picture Placeholder 2"/>
+          <p:cNvSpPr>
+            <a:spLocks noGrp="1" noChangeAspect="1"/>
           </p:cNvSpPr>
           <p:nvPr>
             <p:ph type="pic" idx="1"/>
@@ -2215,12 +2220,12 @@
         </p:nvSpPr>
         <p:spPr>
           <a:xfrm>
-            <a:off x="5183188" y="987425"/>
-            <a:ext cx="6172200" cy="4873625"/>
-          </a:xfrm>
-        </p:spPr>
-        <p:txBody>
-          <a:bodyPr/>
+            <a:off x="6121966" y="987426"/>
+            <a:ext cx="7290108" cy="4873625"/>
+          </a:xfrm>
+        </p:spPr>
+        <p:txBody>
+          <a:bodyPr anchor="t"/>
           <a:lstStyle>
             <a:lvl1pPr marL="0" indent="0">
               <a:buNone/>
@@ -2260,13 +2265,17 @@
             </a:lvl9pPr>
           </a:lstStyle>
           <a:p>
-            <a:endParaRPr lang="es-CO"/>
-          </a:p>
-        </p:txBody>
-      </p:sp>
-      <p:sp>
-        <p:nvSpPr>
-          <p:cNvPr id="4" name="Marcador de texto 3"/>
+            <a:r>
+              <a:rPr lang="es-ES" smtClean="0"/>
+              <a:t>Haga clic en el icono para agregar una imagen</a:t>
+            </a:r>
+            <a:endParaRPr lang="en-US" dirty="0"/>
+          </a:p>
+        </p:txBody>
+      </p:sp>
+      <p:sp>
+        <p:nvSpPr>
+          <p:cNvPr id="4" name="Text Placeholder 3"/>
           <p:cNvSpPr>
             <a:spLocks noGrp="1"/>
           </p:cNvSpPr>
@@ -2276,8 +2285,8 @@
         </p:nvSpPr>
         <p:spPr>
           <a:xfrm>
-            <a:off x="839788" y="2057400"/>
-            <a:ext cx="3932237" cy="3811588"/>
+            <a:off x="991891" y="2057400"/>
+            <a:ext cx="4644443" cy="3811588"/>
           </a:xfrm>
         </p:spPr>
         <p:txBody>
@@ -2331,7 +2340,7 @@
       </p:sp>
       <p:sp>
         <p:nvSpPr>
-          <p:cNvPr id="5" name="Marcador de fecha 4"/>
+          <p:cNvPr id="5" name="Date Placeholder 4"/>
           <p:cNvSpPr>
             <a:spLocks noGrp="1"/>
           </p:cNvSpPr>
@@ -2346,7 +2355,7 @@
           <a:p>
             <a:fld id="{EF8C5229-5677-4191-B782-B48EE3907174}" type="datetimeFigureOut">
               <a:rPr lang="es-CO" smtClean="0"/>
-              <a:t>20/02/2018</a:t>
+              <a:t>23/03/2018</a:t>
             </a:fld>
             <a:endParaRPr lang="es-CO"/>
           </a:p>
@@ -2354,7 +2363,7 @@
       </p:sp>
       <p:sp>
         <p:nvSpPr>
-          <p:cNvPr id="6" name="Marcador de pie de página 5"/>
+          <p:cNvPr id="6" name="Footer Placeholder 5"/>
           <p:cNvSpPr>
             <a:spLocks noGrp="1"/>
           </p:cNvSpPr>
@@ -2373,7 +2382,7 @@
       </p:sp>
       <p:sp>
         <p:nvSpPr>
-          <p:cNvPr id="7" name="Marcador de número de diapositiva 6"/>
+          <p:cNvPr id="7" name="Slide Number Placeholder 6"/>
           <p:cNvSpPr>
             <a:spLocks noGrp="1"/>
           </p:cNvSpPr>
@@ -2397,7 +2406,7 @@
     </p:spTree>
     <p:extLst>
       <p:ext uri="{BB962C8B-B14F-4D97-AF65-F5344CB8AC3E}">
-        <p14:creationId xmlns:p14="http://schemas.microsoft.com/office/powerpoint/2010/main" val="1053793925"/>
+        <p14:creationId xmlns:p14="http://schemas.microsoft.com/office/powerpoint/2010/main" val="2501698221"/>
       </p:ext>
     </p:extLst>
   </p:cSld>
@@ -2431,7 +2440,7 @@
       </p:grpSpPr>
       <p:sp>
         <p:nvSpPr>
-          <p:cNvPr id="2" name="Marcador de título 1"/>
+          <p:cNvPr id="2" name="Title Placeholder 1"/>
           <p:cNvSpPr>
             <a:spLocks noGrp="1"/>
           </p:cNvSpPr>
@@ -2441,8 +2450,8 @@
         </p:nvSpPr>
         <p:spPr>
           <a:xfrm>
-            <a:off x="838200" y="365125"/>
-            <a:ext cx="10515600" cy="1325563"/>
+            <a:off x="990015" y="365126"/>
+            <a:ext cx="12420184" cy="1325563"/>
           </a:xfrm>
           <a:prstGeom prst="rect">
             <a:avLst/>
@@ -2458,13 +2467,13 @@
               <a:rPr lang="es-ES" smtClean="0"/>
               <a:t>Haga clic para modificar el estilo de título del patrón</a:t>
             </a:r>
-            <a:endParaRPr lang="es-CO"/>
-          </a:p>
-        </p:txBody>
-      </p:sp>
-      <p:sp>
-        <p:nvSpPr>
-          <p:cNvPr id="3" name="Marcador de texto 2"/>
+            <a:endParaRPr lang="en-US" dirty="0"/>
+          </a:p>
+        </p:txBody>
+      </p:sp>
+      <p:sp>
+        <p:nvSpPr>
+          <p:cNvPr id="3" name="Text Placeholder 2"/>
           <p:cNvSpPr>
             <a:spLocks noGrp="1"/>
           </p:cNvSpPr>
@@ -2474,8 +2483,8 @@
         </p:nvSpPr>
         <p:spPr>
           <a:xfrm>
-            <a:off x="838200" y="1825625"/>
-            <a:ext cx="10515600" cy="4351338"/>
+            <a:off x="990015" y="1825625"/>
+            <a:ext cx="12420184" cy="4351338"/>
           </a:xfrm>
           <a:prstGeom prst="rect">
             <a:avLst/>
@@ -2520,13 +2529,13 @@
               <a:rPr lang="es-ES" smtClean="0"/>
               <a:t>Quinto nivel</a:t>
             </a:r>
-            <a:endParaRPr lang="es-CO"/>
-          </a:p>
-        </p:txBody>
-      </p:sp>
-      <p:sp>
-        <p:nvSpPr>
-          <p:cNvPr id="4" name="Marcador de fecha 3"/>
+            <a:endParaRPr lang="en-US" dirty="0"/>
+          </a:p>
+        </p:txBody>
+      </p:sp>
+      <p:sp>
+        <p:nvSpPr>
+          <p:cNvPr id="4" name="Date Placeholder 3"/>
           <p:cNvSpPr>
             <a:spLocks noGrp="1"/>
           </p:cNvSpPr>
@@ -2536,8 +2545,8 @@
         </p:nvSpPr>
         <p:spPr>
           <a:xfrm>
-            <a:off x="838200" y="6356350"/>
-            <a:ext cx="2743200" cy="365125"/>
+            <a:off x="990015" y="6356351"/>
+            <a:ext cx="3240048" cy="365125"/>
           </a:xfrm>
           <a:prstGeom prst="rect">
             <a:avLst/>
@@ -2559,7 +2568,7 @@
           <a:p>
             <a:fld id="{EF8C5229-5677-4191-B782-B48EE3907174}" type="datetimeFigureOut">
               <a:rPr lang="es-CO" smtClean="0"/>
-              <a:t>20/02/2018</a:t>
+              <a:t>23/03/2018</a:t>
             </a:fld>
             <a:endParaRPr lang="es-CO"/>
           </a:p>
@@ -2567,7 +2576,7 @@
       </p:sp>
       <p:sp>
         <p:nvSpPr>
-          <p:cNvPr id="5" name="Marcador de pie de página 4"/>
+          <p:cNvPr id="5" name="Footer Placeholder 4"/>
           <p:cNvSpPr>
             <a:spLocks noGrp="1"/>
           </p:cNvSpPr>
@@ -2577,8 +2586,8 @@
         </p:nvSpPr>
         <p:spPr>
           <a:xfrm>
-            <a:off x="4038600" y="6356350"/>
-            <a:ext cx="4114800" cy="365125"/>
+            <a:off x="4770071" y="6356351"/>
+            <a:ext cx="4860072" cy="365125"/>
           </a:xfrm>
           <a:prstGeom prst="rect">
             <a:avLst/>
@@ -2604,7 +2613,7 @@
       </p:sp>
       <p:sp>
         <p:nvSpPr>
-          <p:cNvPr id="6" name="Marcador de número de diapositiva 5"/>
+          <p:cNvPr id="6" name="Slide Number Placeholder 5"/>
           <p:cNvSpPr>
             <a:spLocks noGrp="1"/>
           </p:cNvSpPr>
@@ -2614,8 +2623,8 @@
         </p:nvSpPr>
         <p:spPr>
           <a:xfrm>
-            <a:off x="8610600" y="6356350"/>
-            <a:ext cx="2743200" cy="365125"/>
+            <a:off x="10170150" y="6356351"/>
+            <a:ext cx="3240048" cy="365125"/>
           </a:xfrm>
           <a:prstGeom prst="rect">
             <a:avLst/>
@@ -2646,23 +2655,23 @@
     </p:spTree>
     <p:extLst>
       <p:ext uri="{BB962C8B-B14F-4D97-AF65-F5344CB8AC3E}">
-        <p14:creationId xmlns:p14="http://schemas.microsoft.com/office/powerpoint/2010/main" val="1160306919"/>
+        <p14:creationId xmlns:p14="http://schemas.microsoft.com/office/powerpoint/2010/main" val="2170410441"/>
       </p:ext>
     </p:extLst>
   </p:cSld>
   <p:clrMap bg1="lt1" tx1="dk1" bg2="lt2" tx2="dk2" accent1="accent1" accent2="accent2" accent3="accent3" accent4="accent4" accent5="accent5" accent6="accent6" hlink="hlink" folHlink="folHlink"/>
   <p:sldLayoutIdLst>
-    <p:sldLayoutId id="2147483649" r:id="rId1"/>
-    <p:sldLayoutId id="2147483650" r:id="rId2"/>
-    <p:sldLayoutId id="2147483651" r:id="rId3"/>
-    <p:sldLayoutId id="2147483652" r:id="rId4"/>
-    <p:sldLayoutId id="2147483653" r:id="rId5"/>
-    <p:sldLayoutId id="2147483654" r:id="rId6"/>
-    <p:sldLayoutId id="2147483655" r:id="rId7"/>
-    <p:sldLayoutId id="2147483656" r:id="rId8"/>
-    <p:sldLayoutId id="2147483657" r:id="rId9"/>
-    <p:sldLayoutId id="2147483658" r:id="rId10"/>
-    <p:sldLayoutId id="2147483659" r:id="rId11"/>
+    <p:sldLayoutId id="2147483661" r:id="rId1"/>
+    <p:sldLayoutId id="2147483662" r:id="rId2"/>
+    <p:sldLayoutId id="2147483663" r:id="rId3"/>
+    <p:sldLayoutId id="2147483664" r:id="rId4"/>
+    <p:sldLayoutId id="2147483665" r:id="rId5"/>
+    <p:sldLayoutId id="2147483666" r:id="rId6"/>
+    <p:sldLayoutId id="2147483667" r:id="rId7"/>
+    <p:sldLayoutId id="2147483668" r:id="rId8"/>
+    <p:sldLayoutId id="2147483669" r:id="rId9"/>
+    <p:sldLayoutId id="2147483670" r:id="rId10"/>
+    <p:sldLayoutId id="2147483671" r:id="rId11"/>
   </p:sldLayoutIdLst>
   <p:txStyles>
     <p:titleStyle>
@@ -2850,7 +2859,7 @@
     </p:bodyStyle>
     <p:otherStyle>
       <a:defPPr>
-        <a:defRPr lang="es-CO"/>
+        <a:defRPr lang="en-US"/>
       </a:defPPr>
       <a:lvl1pPr marL="0" algn="l" defTabSz="914400" rtl="0" eaLnBrk="1" latinLnBrk="0" hangingPunct="1">
         <a:defRPr sz="1800" kern="1200">
@@ -2972,8 +2981,8 @@
         </p:nvSpPr>
         <p:spPr>
           <a:xfrm>
-            <a:off x="4283338" y="559398"/>
-            <a:ext cx="3055172" cy="602428"/>
+            <a:off x="5538513" y="180112"/>
+            <a:ext cx="2649765" cy="711540"/>
           </a:xfrm>
           <a:prstGeom prst="roundRect">
             <a:avLst/>
@@ -3011,29 +3020,29 @@
           <a:p>
             <a:pPr algn="ctr"/>
             <a:r>
-              <a:rPr lang="es-CO" dirty="0" smtClean="0"/>
+              <a:rPr lang="es-CO" sz="2126" dirty="0"/>
               <a:t>Gerente General (Jeimy Sosa)</a:t>
             </a:r>
-            <a:endParaRPr lang="es-CO" dirty="0"/>
-          </a:p>
-        </p:txBody>
-      </p:sp>
-      <p:sp>
-        <p:nvSpPr>
-          <p:cNvPr id="4" name="Rectángulo redondeado 3"/>
+            <a:endParaRPr lang="es-CO" sz="2126" dirty="0"/>
+          </a:p>
+        </p:txBody>
+      </p:sp>
+      <p:sp>
+        <p:nvSpPr>
+          <p:cNvPr id="5" name="Rectángulo redondeado 4"/>
           <p:cNvSpPr/>
           <p:nvPr/>
         </p:nvSpPr>
         <p:spPr>
           <a:xfrm>
-            <a:off x="765587" y="2583629"/>
-            <a:ext cx="3055172" cy="602428"/>
+            <a:off x="4260038" y="2890470"/>
+            <a:ext cx="2556949" cy="711540"/>
           </a:xfrm>
           <a:prstGeom prst="roundRect">
             <a:avLst/>
           </a:prstGeom>
           <a:solidFill>
-            <a:schemeClr val="accent1">
+            <a:schemeClr val="accent6">
               <a:lumMod val="60000"/>
               <a:lumOff val="40000"/>
             </a:schemeClr>
@@ -3061,29 +3070,29 @@
           <a:p>
             <a:pPr algn="ctr"/>
             <a:r>
-              <a:rPr lang="es-CO" dirty="0" smtClean="0"/>
-              <a:t>Líder Técnico (Gabriel Álvarez)</a:t>
-            </a:r>
-            <a:endParaRPr lang="es-CO" dirty="0"/>
-          </a:p>
-        </p:txBody>
-      </p:sp>
-      <p:sp>
-        <p:nvSpPr>
-          <p:cNvPr id="5" name="Rectángulo redondeado 4"/>
+              <a:rPr lang="es-CO" sz="2126" dirty="0"/>
+              <a:t>Administrador DB (Dario Muñoz)</a:t>
+            </a:r>
+            <a:endParaRPr lang="es-CO" sz="2126" dirty="0"/>
+          </a:p>
+        </p:txBody>
+      </p:sp>
+      <p:sp>
+        <p:nvSpPr>
+          <p:cNvPr id="6" name="Rectángulo redondeado 5"/>
           <p:cNvSpPr/>
           <p:nvPr/>
         </p:nvSpPr>
         <p:spPr>
           <a:xfrm>
-            <a:off x="4283338" y="2583629"/>
-            <a:ext cx="3055172" cy="602428"/>
+            <a:off x="7596011" y="2890470"/>
+            <a:ext cx="2688728" cy="711540"/>
           </a:xfrm>
           <a:prstGeom prst="roundRect">
             <a:avLst/>
           </a:prstGeom>
           <a:solidFill>
-            <a:schemeClr val="accent2">
+            <a:schemeClr val="accent4">
               <a:lumMod val="60000"/>
               <a:lumOff val="40000"/>
             </a:schemeClr>
@@ -3111,29 +3120,29 @@
           <a:p>
             <a:pPr algn="ctr"/>
             <a:r>
-              <a:rPr lang="es-CO" dirty="0" smtClean="0"/>
-              <a:t>Administrador DB (Dario Muñoz)</a:t>
-            </a:r>
-            <a:endParaRPr lang="es-CO" dirty="0"/>
-          </a:p>
-        </p:txBody>
-      </p:sp>
-      <p:sp>
-        <p:nvSpPr>
-          <p:cNvPr id="6" name="Rectángulo redondeado 5"/>
+              <a:rPr lang="es-CO" sz="2126" dirty="0"/>
+              <a:t>Community Manager (Camilo D’Achiardi)</a:t>
+            </a:r>
+            <a:endParaRPr lang="es-CO" sz="2126" dirty="0"/>
+          </a:p>
+        </p:txBody>
+      </p:sp>
+      <p:sp>
+        <p:nvSpPr>
+          <p:cNvPr id="7" name="Rectángulo redondeado 6"/>
           <p:cNvSpPr/>
           <p:nvPr/>
         </p:nvSpPr>
         <p:spPr>
           <a:xfrm>
-            <a:off x="7983969" y="2583629"/>
-            <a:ext cx="3055172" cy="602428"/>
+            <a:off x="217914" y="4349375"/>
+            <a:ext cx="3898645" cy="1217665"/>
           </a:xfrm>
           <a:prstGeom prst="roundRect">
             <a:avLst/>
           </a:prstGeom>
           <a:solidFill>
-            <a:schemeClr val="accent6">
+            <a:schemeClr val="accent2">
               <a:lumMod val="60000"/>
               <a:lumOff val="40000"/>
             </a:schemeClr>
@@ -3161,33 +3170,47 @@
           <a:p>
             <a:pPr algn="ctr"/>
             <a:r>
-              <a:rPr lang="es-CO" dirty="0" smtClean="0"/>
-              <a:t>Community Manager (Camilo D’Achiardi)</a:t>
-            </a:r>
-            <a:endParaRPr lang="es-CO" dirty="0"/>
-          </a:p>
-        </p:txBody>
-      </p:sp>
-      <p:sp>
-        <p:nvSpPr>
-          <p:cNvPr id="7" name="Rectángulo redondeado 6"/>
+              <a:rPr lang="es-CO" sz="2126" dirty="0"/>
+              <a:t>Equipo </a:t>
+            </a:r>
+            <a:r>
+              <a:rPr lang="es-CO" sz="2126" dirty="0" smtClean="0"/>
+              <a:t>(</a:t>
+            </a:r>
+            <a:r>
+              <a:rPr lang="es-CO" sz="2126" dirty="0"/>
+              <a:t>Jeimy Sosa, Gabriel Álvarez, </a:t>
+            </a:r>
+            <a:r>
+              <a:rPr lang="es-CO" sz="2126" dirty="0"/>
+              <a:t>Dario Muñoz, Camilo D’Achiardi)</a:t>
+            </a:r>
+            <a:endParaRPr lang="es-CO" sz="2126" dirty="0"/>
+          </a:p>
+        </p:txBody>
+      </p:sp>
+      <p:sp>
+        <p:nvSpPr>
+          <p:cNvPr id="14" name="Rectángulo redondeado 13"/>
           <p:cNvSpPr/>
           <p:nvPr/>
         </p:nvSpPr>
         <p:spPr>
           <a:xfrm>
-            <a:off x="642771" y="4638339"/>
-            <a:ext cx="3300804" cy="1030941"/>
+            <a:off x="11150600" y="1473736"/>
+            <a:ext cx="2857500" cy="948137"/>
           </a:xfrm>
           <a:prstGeom prst="roundRect">
             <a:avLst/>
           </a:prstGeom>
           <a:solidFill>
-            <a:schemeClr val="accent1">
-              <a:lumMod val="60000"/>
-              <a:lumOff val="40000"/>
-            </a:schemeClr>
+            <a:schemeClr val="accent1"/>
           </a:solidFill>
+          <a:ln>
+            <a:solidFill>
+              <a:schemeClr val="tx1"/>
+            </a:solidFill>
+          </a:ln>
         </p:spPr>
         <p:style>
           <a:lnRef idx="2">
@@ -3211,60 +3234,239 @@
           <a:p>
             <a:pPr algn="ctr"/>
             <a:r>
-              <a:rPr lang="es-CO" dirty="0" smtClean="0"/>
-              <a:t>Equipo de desarrollo (Jeimy Sosa, Gabriel Álvarez, Dario Muñoz, Camilo D’Achiardi)</a:t>
-            </a:r>
-            <a:endParaRPr lang="es-CO" dirty="0"/>
-          </a:p>
-        </p:txBody>
-      </p:sp>
-      <p:cxnSp>
-        <p:nvCxnSpPr>
-          <p:cNvPr id="11" name="Conector recto 10"/>
-          <p:cNvCxnSpPr>
-            <a:stCxn id="2" idx="2"/>
-          </p:cNvCxnSpPr>
+              <a:rPr lang="es-CO" sz="2126" dirty="0"/>
+              <a:t>Gerente  de Recursos </a:t>
+            </a:r>
+            <a:r>
+              <a:rPr lang="es-CO" sz="2126" dirty="0" smtClean="0"/>
+              <a:t>Humanos                        (Gabriel Álvarez)</a:t>
+            </a:r>
+            <a:endParaRPr lang="es-CO" sz="2126" dirty="0"/>
+          </a:p>
+        </p:txBody>
+      </p:sp>
+      <p:sp>
+        <p:nvSpPr>
+          <p:cNvPr id="15" name="Rectángulo redondeado 14"/>
+          <p:cNvSpPr/>
           <p:nvPr/>
-        </p:nvCxnSpPr>
+        </p:nvSpPr>
         <p:spPr>
           <a:xfrm>
-            <a:off x="5810924" y="1161826"/>
-            <a:ext cx="0" cy="613186"/>
-          </a:xfrm>
-          <a:prstGeom prst="line">
+            <a:off x="1047241" y="1475849"/>
+            <a:ext cx="2239990" cy="711540"/>
+          </a:xfrm>
+          <a:prstGeom prst="roundRect">
             <a:avLst/>
           </a:prstGeom>
-          <a:ln>
-            <a:solidFill>
-              <a:schemeClr val="tx1"/>
-            </a:solidFill>
-          </a:ln>
+          <a:solidFill>
+            <a:schemeClr val="accent2">
+              <a:lumMod val="75000"/>
+            </a:schemeClr>
+          </a:solidFill>
         </p:spPr>
         <p:style>
-          <a:lnRef idx="1">
-            <a:schemeClr val="accent1"/>
+          <a:lnRef idx="2">
+            <a:schemeClr val="accent1">
+              <a:shade val="50000"/>
+            </a:schemeClr>
           </a:lnRef>
-          <a:fillRef idx="0">
+          <a:fillRef idx="1">
             <a:schemeClr val="accent1"/>
           </a:fillRef>
           <a:effectRef idx="0">
             <a:schemeClr val="accent1"/>
           </a:effectRef>
           <a:fontRef idx="minor">
-            <a:schemeClr val="tx1"/>
+            <a:schemeClr val="lt1"/>
           </a:fontRef>
         </p:style>
-      </p:cxnSp>
+        <p:txBody>
+          <a:bodyPr rtlCol="0" anchor="ctr"/>
+          <a:lstStyle/>
+          <a:p>
+            <a:pPr algn="ctr"/>
+            <a:r>
+              <a:rPr lang="es-CO" sz="2126" dirty="0"/>
+              <a:t>Product Owner </a:t>
+            </a:r>
+            <a:r>
+              <a:rPr lang="es-CO" sz="2126" dirty="0" smtClean="0"/>
+              <a:t>(Jeimy Sosa)</a:t>
+            </a:r>
+            <a:endParaRPr lang="es-CO" sz="2126" dirty="0"/>
+          </a:p>
+        </p:txBody>
+      </p:sp>
+      <p:sp>
+        <p:nvSpPr>
+          <p:cNvPr id="16" name="Rectángulo redondeado 15"/>
+          <p:cNvSpPr/>
+          <p:nvPr/>
+        </p:nvSpPr>
+        <p:spPr>
+          <a:xfrm>
+            <a:off x="7637763" y="1475849"/>
+            <a:ext cx="2605224" cy="711540"/>
+          </a:xfrm>
+          <a:prstGeom prst="roundRect">
+            <a:avLst/>
+          </a:prstGeom>
+          <a:solidFill>
+            <a:schemeClr val="accent4">
+              <a:lumMod val="60000"/>
+              <a:lumOff val="40000"/>
+            </a:schemeClr>
+          </a:solidFill>
+        </p:spPr>
+        <p:style>
+          <a:lnRef idx="2">
+            <a:schemeClr val="accent1">
+              <a:shade val="50000"/>
+            </a:schemeClr>
+          </a:lnRef>
+          <a:fillRef idx="1">
+            <a:schemeClr val="accent1"/>
+          </a:fillRef>
+          <a:effectRef idx="0">
+            <a:schemeClr val="accent1"/>
+          </a:effectRef>
+          <a:fontRef idx="minor">
+            <a:schemeClr val="lt1"/>
+          </a:fontRef>
+        </p:style>
+        <p:txBody>
+          <a:bodyPr rtlCol="0" anchor="ctr"/>
+          <a:lstStyle/>
+          <a:p>
+            <a:pPr algn="ctr"/>
+            <a:r>
+              <a:rPr lang="es-CO" sz="2126" dirty="0"/>
+              <a:t>Gerente Comercial (Camilo D’Achiardi)</a:t>
+            </a:r>
+            <a:endParaRPr lang="es-CO" sz="2126" dirty="0"/>
+          </a:p>
+        </p:txBody>
+      </p:sp>
+      <p:sp>
+        <p:nvSpPr>
+          <p:cNvPr id="17" name="Rectángulo redondeado 16"/>
+          <p:cNvSpPr/>
+          <p:nvPr/>
+        </p:nvSpPr>
+        <p:spPr>
+          <a:xfrm>
+            <a:off x="979137" y="2802284"/>
+            <a:ext cx="2376198" cy="711540"/>
+          </a:xfrm>
+          <a:prstGeom prst="roundRect">
+            <a:avLst/>
+          </a:prstGeom>
+          <a:solidFill>
+            <a:schemeClr val="accent2">
+              <a:lumMod val="60000"/>
+              <a:lumOff val="40000"/>
+            </a:schemeClr>
+          </a:solidFill>
+        </p:spPr>
+        <p:style>
+          <a:lnRef idx="2">
+            <a:schemeClr val="accent1">
+              <a:shade val="50000"/>
+            </a:schemeClr>
+          </a:lnRef>
+          <a:fillRef idx="1">
+            <a:schemeClr val="accent1"/>
+          </a:fillRef>
+          <a:effectRef idx="0">
+            <a:schemeClr val="accent1"/>
+          </a:effectRef>
+          <a:fontRef idx="minor">
+            <a:schemeClr val="lt1"/>
+          </a:fontRef>
+        </p:style>
+        <p:txBody>
+          <a:bodyPr rtlCol="0" anchor="ctr"/>
+          <a:lstStyle/>
+          <a:p>
+            <a:pPr algn="ctr"/>
+            <a:r>
+              <a:rPr lang="es-CO" sz="2126" dirty="0"/>
+              <a:t>SCRUM Master </a:t>
+            </a:r>
+            <a:r>
+              <a:rPr lang="es-CO" sz="2126" dirty="0" smtClean="0"/>
+              <a:t>(Darío Muñoz)</a:t>
+            </a:r>
+            <a:endParaRPr lang="es-CO" sz="2126" dirty="0"/>
+          </a:p>
+        </p:txBody>
+      </p:sp>
+      <p:sp>
+        <p:nvSpPr>
+          <p:cNvPr id="18" name="Rectángulo redondeado 17"/>
+          <p:cNvSpPr/>
+          <p:nvPr/>
+        </p:nvSpPr>
+        <p:spPr>
+          <a:xfrm>
+            <a:off x="3849188" y="1491198"/>
+            <a:ext cx="3378651" cy="711540"/>
+          </a:xfrm>
+          <a:prstGeom prst="roundRect">
+            <a:avLst/>
+          </a:prstGeom>
+          <a:solidFill>
+            <a:schemeClr val="accent6">
+              <a:lumMod val="75000"/>
+            </a:schemeClr>
+          </a:solidFill>
+        </p:spPr>
+        <p:style>
+          <a:lnRef idx="2">
+            <a:schemeClr val="accent1">
+              <a:shade val="50000"/>
+            </a:schemeClr>
+          </a:lnRef>
+          <a:fillRef idx="1">
+            <a:schemeClr val="accent1"/>
+          </a:fillRef>
+          <a:effectRef idx="0">
+            <a:schemeClr val="accent1"/>
+          </a:effectRef>
+          <a:fontRef idx="minor">
+            <a:schemeClr val="lt1"/>
+          </a:fontRef>
+        </p:style>
+        <p:txBody>
+          <a:bodyPr rtlCol="0" anchor="ctr"/>
+          <a:lstStyle/>
+          <a:p>
+            <a:pPr algn="ctr"/>
+            <a:r>
+              <a:rPr lang="es-CO" sz="2126" dirty="0"/>
+              <a:t>Gerente de Infraestructura </a:t>
+            </a:r>
+            <a:r>
+              <a:rPr lang="es-CO" sz="2126" dirty="0" smtClean="0"/>
+              <a:t>(Gabriel Álvarez)</a:t>
+            </a:r>
+            <a:endParaRPr lang="es-CO" sz="2126" dirty="0"/>
+          </a:p>
+        </p:txBody>
+      </p:sp>
       <p:cxnSp>
         <p:nvCxnSpPr>
-          <p:cNvPr id="13" name="Conector recto 12"/>
-          <p:cNvCxnSpPr/>
+          <p:cNvPr id="8" name="Conector recto 7"/>
+          <p:cNvCxnSpPr>
+            <a:stCxn id="2" idx="2"/>
+          </p:cNvCxnSpPr>
           <p:nvPr/>
         </p:nvCxnSpPr>
         <p:spPr>
           <a:xfrm flipH="1">
-            <a:off x="2293173" y="1764254"/>
-            <a:ext cx="3517751" cy="0"/>
+            <a:off x="6863395" y="891652"/>
+            <a:ext cx="1" cy="314848"/>
           </a:xfrm>
           <a:prstGeom prst="line">
             <a:avLst/>
@@ -3287,16 +3489,14 @@
       </p:cxnSp>
       <p:cxnSp>
         <p:nvCxnSpPr>
-          <p:cNvPr id="22" name="Conector recto 21"/>
-          <p:cNvCxnSpPr>
-            <a:endCxn id="5" idx="0"/>
-          </p:cNvCxnSpPr>
+          <p:cNvPr id="10" name="Conector recto 9"/>
+          <p:cNvCxnSpPr/>
           <p:nvPr/>
         </p:nvCxnSpPr>
         <p:spPr>
-          <a:xfrm>
-            <a:off x="5810924" y="1764254"/>
-            <a:ext cx="0" cy="819375"/>
+          <a:xfrm flipH="1" flipV="1">
+            <a:off x="2167236" y="1180050"/>
+            <a:ext cx="4696158" cy="19574"/>
           </a:xfrm>
           <a:prstGeom prst="line">
             <a:avLst/>
@@ -3319,16 +3519,14 @@
       </p:cxnSp>
       <p:cxnSp>
         <p:nvCxnSpPr>
-          <p:cNvPr id="24" name="Conector recto 23"/>
-          <p:cNvCxnSpPr>
-            <a:endCxn id="4" idx="0"/>
-          </p:cNvCxnSpPr>
+          <p:cNvPr id="19" name="Conector recto 18"/>
+          <p:cNvCxnSpPr/>
           <p:nvPr/>
         </p:nvCxnSpPr>
         <p:spPr>
           <a:xfrm>
-            <a:off x="2293173" y="1764254"/>
-            <a:ext cx="0" cy="819375"/>
+            <a:off x="6863395" y="1206500"/>
+            <a:ext cx="5715955" cy="0"/>
           </a:xfrm>
           <a:prstGeom prst="line">
             <a:avLst/>
@@ -3351,18 +3549,23 @@
       </p:cxnSp>
       <p:cxnSp>
         <p:nvCxnSpPr>
-          <p:cNvPr id="28" name="Conector recto 27"/>
-          <p:cNvCxnSpPr/>
+          <p:cNvPr id="26" name="Conector recto de flecha 25"/>
+          <p:cNvCxnSpPr>
+            <a:endCxn id="15" idx="0"/>
+          </p:cNvCxnSpPr>
           <p:nvPr/>
         </p:nvCxnSpPr>
         <p:spPr>
           <a:xfrm>
-            <a:off x="5810924" y="1764254"/>
-            <a:ext cx="3700631" cy="0"/>
-          </a:xfrm>
-          <a:prstGeom prst="line">
+            <a:off x="2167236" y="1186925"/>
+            <a:ext cx="0" cy="288924"/>
+          </a:xfrm>
+          <a:prstGeom prst="straightConnector1">
             <a:avLst/>
           </a:prstGeom>
+          <a:ln>
+            <a:tailEnd type="triangle"/>
+          </a:ln>
         </p:spPr>
         <p:style>
           <a:lnRef idx="1">
@@ -3381,20 +3584,23 @@
       </p:cxnSp>
       <p:cxnSp>
         <p:nvCxnSpPr>
-          <p:cNvPr id="30" name="Conector recto 29"/>
+          <p:cNvPr id="29" name="Conector recto de flecha 28"/>
           <p:cNvCxnSpPr>
-            <a:endCxn id="6" idx="0"/>
+            <a:endCxn id="18" idx="0"/>
           </p:cNvCxnSpPr>
           <p:nvPr/>
         </p:nvCxnSpPr>
         <p:spPr>
           <a:xfrm>
-            <a:off x="9511555" y="1764254"/>
-            <a:ext cx="0" cy="819375"/>
-          </a:xfrm>
-          <a:prstGeom prst="line">
+            <a:off x="5538513" y="1199624"/>
+            <a:ext cx="1" cy="291574"/>
+          </a:xfrm>
+          <a:prstGeom prst="straightConnector1">
             <a:avLst/>
           </a:prstGeom>
+          <a:ln>
+            <a:tailEnd type="triangle"/>
+          </a:ln>
         </p:spPr>
         <p:style>
           <a:lnRef idx="1">
@@ -3413,21 +3619,202 @@
       </p:cxnSp>
       <p:cxnSp>
         <p:nvCxnSpPr>
-          <p:cNvPr id="32" name="Conector recto 31"/>
+          <p:cNvPr id="33" name="Conector recto de flecha 32"/>
           <p:cNvCxnSpPr>
-            <a:stCxn id="4" idx="2"/>
+            <a:endCxn id="16" idx="0"/>
+          </p:cNvCxnSpPr>
+          <p:nvPr/>
+        </p:nvCxnSpPr>
+        <p:spPr>
+          <a:xfrm>
+            <a:off x="8940375" y="1199624"/>
+            <a:ext cx="0" cy="276225"/>
+          </a:xfrm>
+          <a:prstGeom prst="straightConnector1">
+            <a:avLst/>
+          </a:prstGeom>
+          <a:ln>
+            <a:tailEnd type="triangle"/>
+          </a:ln>
+        </p:spPr>
+        <p:style>
+          <a:lnRef idx="1">
+            <a:schemeClr val="dk1"/>
+          </a:lnRef>
+          <a:fillRef idx="0">
+            <a:schemeClr val="dk1"/>
+          </a:fillRef>
+          <a:effectRef idx="0">
+            <a:schemeClr val="dk1"/>
+          </a:effectRef>
+          <a:fontRef idx="minor">
+            <a:schemeClr val="tx1"/>
+          </a:fontRef>
+        </p:style>
+      </p:cxnSp>
+      <p:cxnSp>
+        <p:nvCxnSpPr>
+          <p:cNvPr id="35" name="Conector recto de flecha 34"/>
+          <p:cNvCxnSpPr>
+            <a:endCxn id="14" idx="0"/>
+          </p:cNvCxnSpPr>
+          <p:nvPr/>
+        </p:nvCxnSpPr>
+        <p:spPr>
+          <a:xfrm>
+            <a:off x="12579350" y="1206500"/>
+            <a:ext cx="0" cy="267236"/>
+          </a:xfrm>
+          <a:prstGeom prst="straightConnector1">
+            <a:avLst/>
+          </a:prstGeom>
+          <a:ln>
+            <a:tailEnd type="triangle"/>
+          </a:ln>
+        </p:spPr>
+        <p:style>
+          <a:lnRef idx="1">
+            <a:schemeClr val="dk1"/>
+          </a:lnRef>
+          <a:fillRef idx="0">
+            <a:schemeClr val="dk1"/>
+          </a:fillRef>
+          <a:effectRef idx="0">
+            <a:schemeClr val="dk1"/>
+          </a:effectRef>
+          <a:fontRef idx="minor">
+            <a:schemeClr val="tx1"/>
+          </a:fontRef>
+        </p:style>
+      </p:cxnSp>
+      <p:cxnSp>
+        <p:nvCxnSpPr>
+          <p:cNvPr id="38" name="Conector recto de flecha 37"/>
+          <p:cNvCxnSpPr>
+            <a:stCxn id="15" idx="2"/>
+            <a:endCxn id="17" idx="0"/>
+          </p:cNvCxnSpPr>
+          <p:nvPr/>
+        </p:nvCxnSpPr>
+        <p:spPr>
+          <a:xfrm>
+            <a:off x="2167236" y="2187389"/>
+            <a:ext cx="0" cy="614895"/>
+          </a:xfrm>
+          <a:prstGeom prst="straightConnector1">
+            <a:avLst/>
+          </a:prstGeom>
+          <a:ln>
+            <a:tailEnd type="triangle"/>
+          </a:ln>
+        </p:spPr>
+        <p:style>
+          <a:lnRef idx="1">
+            <a:schemeClr val="dk1"/>
+          </a:lnRef>
+          <a:fillRef idx="0">
+            <a:schemeClr val="dk1"/>
+          </a:fillRef>
+          <a:effectRef idx="0">
+            <a:schemeClr val="dk1"/>
+          </a:effectRef>
+          <a:fontRef idx="minor">
+            <a:schemeClr val="tx1"/>
+          </a:fontRef>
+        </p:style>
+      </p:cxnSp>
+      <p:cxnSp>
+        <p:nvCxnSpPr>
+          <p:cNvPr id="41" name="Conector recto de flecha 40"/>
+          <p:cNvCxnSpPr>
+            <a:stCxn id="17" idx="2"/>
             <a:endCxn id="7" idx="0"/>
           </p:cNvCxnSpPr>
           <p:nvPr/>
         </p:nvCxnSpPr>
         <p:spPr>
           <a:xfrm>
-            <a:off x="2293173" y="3186057"/>
-            <a:ext cx="0" cy="1452282"/>
-          </a:xfrm>
-          <a:prstGeom prst="line">
+            <a:off x="2167236" y="3513824"/>
+            <a:ext cx="1" cy="835551"/>
+          </a:xfrm>
+          <a:prstGeom prst="straightConnector1">
             <a:avLst/>
           </a:prstGeom>
+          <a:ln>
+            <a:tailEnd type="triangle"/>
+          </a:ln>
+        </p:spPr>
+        <p:style>
+          <a:lnRef idx="1">
+            <a:schemeClr val="dk1"/>
+          </a:lnRef>
+          <a:fillRef idx="0">
+            <a:schemeClr val="dk1"/>
+          </a:fillRef>
+          <a:effectRef idx="0">
+            <a:schemeClr val="dk1"/>
+          </a:effectRef>
+          <a:fontRef idx="minor">
+            <a:schemeClr val="tx1"/>
+          </a:fontRef>
+        </p:style>
+      </p:cxnSp>
+      <p:cxnSp>
+        <p:nvCxnSpPr>
+          <p:cNvPr id="43" name="Conector recto de flecha 42"/>
+          <p:cNvCxnSpPr>
+            <a:stCxn id="18" idx="2"/>
+            <a:endCxn id="5" idx="0"/>
+          </p:cNvCxnSpPr>
+          <p:nvPr/>
+        </p:nvCxnSpPr>
+        <p:spPr>
+          <a:xfrm flipH="1">
+            <a:off x="5538513" y="2202738"/>
+            <a:ext cx="1" cy="687732"/>
+          </a:xfrm>
+          <a:prstGeom prst="straightConnector1">
+            <a:avLst/>
+          </a:prstGeom>
+          <a:ln>
+            <a:tailEnd type="triangle"/>
+          </a:ln>
+        </p:spPr>
+        <p:style>
+          <a:lnRef idx="1">
+            <a:schemeClr val="dk1"/>
+          </a:lnRef>
+          <a:fillRef idx="0">
+            <a:schemeClr val="dk1"/>
+          </a:fillRef>
+          <a:effectRef idx="0">
+            <a:schemeClr val="dk1"/>
+          </a:effectRef>
+          <a:fontRef idx="minor">
+            <a:schemeClr val="tx1"/>
+          </a:fontRef>
+        </p:style>
+      </p:cxnSp>
+      <p:cxnSp>
+        <p:nvCxnSpPr>
+          <p:cNvPr id="46" name="Conector recto de flecha 45"/>
+          <p:cNvCxnSpPr>
+            <a:stCxn id="16" idx="2"/>
+            <a:endCxn id="6" idx="0"/>
+          </p:cNvCxnSpPr>
+          <p:nvPr/>
+        </p:nvCxnSpPr>
+        <p:spPr>
+          <a:xfrm>
+            <a:off x="8940375" y="2187389"/>
+            <a:ext cx="0" cy="703081"/>
+          </a:xfrm>
+          <a:prstGeom prst="straightConnector1">
+            <a:avLst/>
+          </a:prstGeom>
+          <a:ln>
+            <a:tailEnd type="triangle"/>
+          </a:ln>
         </p:spPr>
         <p:style>
           <a:lnRef idx="1">
@@ -3460,7 +3847,7 @@
 <file path=ppt/theme/theme1.xml><?xml version="1.0" encoding="utf-8"?>
 <a:theme xmlns:a="http://schemas.openxmlformats.org/drawingml/2006/main" name="Tema de Office">
   <a:themeElements>
-    <a:clrScheme name="Office">
+    <a:clrScheme name="Tema de Office">
       <a:dk1>
         <a:sysClr val="windowText" lastClr="000000"/>
       </a:dk1>
@@ -3498,7 +3885,7 @@
         <a:srgbClr val="954F72"/>
       </a:folHlink>
     </a:clrScheme>
-    <a:fontScheme name="Office">
+    <a:fontScheme name="Tema de Office">
       <a:majorFont>
         <a:latin typeface="Calibri Light" panose="020F0302020204030204"/>
         <a:ea typeface=""/>
@@ -3570,7 +3957,7 @@
         <a:font script="Geor" typeface="Sylfaen"/>
       </a:minorFont>
     </a:fontScheme>
-    <a:fmtScheme name="Office">
+    <a:fmtScheme name="Tema de Office">
       <a:fillStyleLst>
         <a:solidFill>
           <a:schemeClr val="phClr"/>

--- a/Gerencia del Proyecto/Roles/OrganigramaEquipo.pptx
+++ b/Gerencia del Proyecto/Roles/OrganigramaEquipo.pptx
@@ -154,7 +154,7 @@
           </a:lstStyle>
           <a:p>
             <a:r>
-              <a:rPr lang="es-ES" smtClean="0"/>
+              <a:rPr lang="es-ES"/>
               <a:t>Haga clic para modificar el estilo de título del patrón</a:t>
             </a:r>
             <a:endParaRPr lang="en-US" dirty="0"/>
@@ -219,7 +219,7 @@
           </a:lstStyle>
           <a:p>
             <a:r>
-              <a:rPr lang="es-ES" smtClean="0"/>
+              <a:rPr lang="es-ES"/>
               <a:t>Haga clic para modificar el estilo de subtítulo del patrón</a:t>
             </a:r>
             <a:endParaRPr lang="en-US" dirty="0"/>
@@ -243,7 +243,7 @@
           <a:p>
             <a:fld id="{EF8C5229-5677-4191-B782-B48EE3907174}" type="datetimeFigureOut">
               <a:rPr lang="es-CO" smtClean="0"/>
-              <a:t>23/03/2018</a:t>
+              <a:t>5/04/18</a:t>
             </a:fld>
             <a:endParaRPr lang="es-CO"/>
           </a:p>
@@ -337,7 +337,7 @@
           <a:lstStyle/>
           <a:p>
             <a:r>
-              <a:rPr lang="es-ES" smtClean="0"/>
+              <a:rPr lang="es-ES"/>
               <a:t>Haga clic para modificar el estilo de título del patrón</a:t>
             </a:r>
             <a:endParaRPr lang="en-US" dirty="0"/>
@@ -361,35 +361,35 @@
           <a:p>
             <a:pPr lvl="0"/>
             <a:r>
-              <a:rPr lang="es-ES" smtClean="0"/>
+              <a:rPr lang="es-ES"/>
               <a:t>Haga clic para modificar el estilo de texto del patrón</a:t>
             </a:r>
           </a:p>
           <a:p>
             <a:pPr lvl="1"/>
             <a:r>
-              <a:rPr lang="es-ES" smtClean="0"/>
+              <a:rPr lang="es-ES"/>
               <a:t>Segundo nivel</a:t>
             </a:r>
           </a:p>
           <a:p>
             <a:pPr lvl="2"/>
             <a:r>
-              <a:rPr lang="es-ES" smtClean="0"/>
+              <a:rPr lang="es-ES"/>
               <a:t>Tercer nivel</a:t>
             </a:r>
           </a:p>
           <a:p>
             <a:pPr lvl="3"/>
             <a:r>
-              <a:rPr lang="es-ES" smtClean="0"/>
+              <a:rPr lang="es-ES"/>
               <a:t>Cuarto nivel</a:t>
             </a:r>
           </a:p>
           <a:p>
             <a:pPr lvl="4"/>
             <a:r>
-              <a:rPr lang="es-ES" smtClean="0"/>
+              <a:rPr lang="es-ES"/>
               <a:t>Quinto nivel</a:t>
             </a:r>
             <a:endParaRPr lang="en-US" dirty="0"/>
@@ -413,7 +413,7 @@
           <a:p>
             <a:fld id="{EF8C5229-5677-4191-B782-B48EE3907174}" type="datetimeFigureOut">
               <a:rPr lang="es-CO" smtClean="0"/>
-              <a:t>23/03/2018</a:t>
+              <a:t>5/04/18</a:t>
             </a:fld>
             <a:endParaRPr lang="es-CO"/>
           </a:p>
@@ -512,7 +512,7 @@
           <a:lstStyle/>
           <a:p>
             <a:r>
-              <a:rPr lang="es-ES" smtClean="0"/>
+              <a:rPr lang="es-ES"/>
               <a:t>Haga clic para modificar el estilo de título del patrón</a:t>
             </a:r>
             <a:endParaRPr lang="en-US" dirty="0"/>
@@ -541,35 +541,35 @@
           <a:p>
             <a:pPr lvl="0"/>
             <a:r>
-              <a:rPr lang="es-ES" smtClean="0"/>
+              <a:rPr lang="es-ES"/>
               <a:t>Haga clic para modificar el estilo de texto del patrón</a:t>
             </a:r>
           </a:p>
           <a:p>
             <a:pPr lvl="1"/>
             <a:r>
-              <a:rPr lang="es-ES" smtClean="0"/>
+              <a:rPr lang="es-ES"/>
               <a:t>Segundo nivel</a:t>
             </a:r>
           </a:p>
           <a:p>
             <a:pPr lvl="2"/>
             <a:r>
-              <a:rPr lang="es-ES" smtClean="0"/>
+              <a:rPr lang="es-ES"/>
               <a:t>Tercer nivel</a:t>
             </a:r>
           </a:p>
           <a:p>
             <a:pPr lvl="3"/>
             <a:r>
-              <a:rPr lang="es-ES" smtClean="0"/>
+              <a:rPr lang="es-ES"/>
               <a:t>Cuarto nivel</a:t>
             </a:r>
           </a:p>
           <a:p>
             <a:pPr lvl="4"/>
             <a:r>
-              <a:rPr lang="es-ES" smtClean="0"/>
+              <a:rPr lang="es-ES"/>
               <a:t>Quinto nivel</a:t>
             </a:r>
             <a:endParaRPr lang="en-US" dirty="0"/>
@@ -593,7 +593,7 @@
           <a:p>
             <a:fld id="{EF8C5229-5677-4191-B782-B48EE3907174}" type="datetimeFigureOut">
               <a:rPr lang="es-CO" smtClean="0"/>
-              <a:t>23/03/2018</a:t>
+              <a:t>5/04/18</a:t>
             </a:fld>
             <a:endParaRPr lang="es-CO"/>
           </a:p>
@@ -687,7 +687,7 @@
           <a:lstStyle/>
           <a:p>
             <a:r>
-              <a:rPr lang="es-ES" smtClean="0"/>
+              <a:rPr lang="es-ES"/>
               <a:t>Haga clic para modificar el estilo de título del patrón</a:t>
             </a:r>
             <a:endParaRPr lang="en-US" dirty="0"/>
@@ -711,35 +711,35 @@
           <a:p>
             <a:pPr lvl="0"/>
             <a:r>
-              <a:rPr lang="es-ES" smtClean="0"/>
+              <a:rPr lang="es-ES"/>
               <a:t>Haga clic para modificar el estilo de texto del patrón</a:t>
             </a:r>
           </a:p>
           <a:p>
             <a:pPr lvl="1"/>
             <a:r>
-              <a:rPr lang="es-ES" smtClean="0"/>
+              <a:rPr lang="es-ES"/>
               <a:t>Segundo nivel</a:t>
             </a:r>
           </a:p>
           <a:p>
             <a:pPr lvl="2"/>
             <a:r>
-              <a:rPr lang="es-ES" smtClean="0"/>
+              <a:rPr lang="es-ES"/>
               <a:t>Tercer nivel</a:t>
             </a:r>
           </a:p>
           <a:p>
             <a:pPr lvl="3"/>
             <a:r>
-              <a:rPr lang="es-ES" smtClean="0"/>
+              <a:rPr lang="es-ES"/>
               <a:t>Cuarto nivel</a:t>
             </a:r>
           </a:p>
           <a:p>
             <a:pPr lvl="4"/>
             <a:r>
-              <a:rPr lang="es-ES" smtClean="0"/>
+              <a:rPr lang="es-ES"/>
               <a:t>Quinto nivel</a:t>
             </a:r>
             <a:endParaRPr lang="en-US" dirty="0"/>
@@ -763,7 +763,7 @@
           <a:p>
             <a:fld id="{EF8C5229-5677-4191-B782-B48EE3907174}" type="datetimeFigureOut">
               <a:rPr lang="es-CO" smtClean="0"/>
-              <a:t>23/03/2018</a:t>
+              <a:t>5/04/18</a:t>
             </a:fld>
             <a:endParaRPr lang="es-CO"/>
           </a:p>
@@ -866,7 +866,7 @@
           </a:lstStyle>
           <a:p>
             <a:r>
-              <a:rPr lang="es-ES" smtClean="0"/>
+              <a:rPr lang="es-ES"/>
               <a:t>Haga clic para modificar el estilo de título del patrón</a:t>
             </a:r>
             <a:endParaRPr lang="en-US" dirty="0"/>
@@ -986,7 +986,7 @@
           <a:p>
             <a:pPr lvl="0"/>
             <a:r>
-              <a:rPr lang="es-ES" smtClean="0"/>
+              <a:rPr lang="es-ES"/>
               <a:t>Haga clic para modificar el estilo de texto del patrón</a:t>
             </a:r>
           </a:p>
@@ -1009,7 +1009,7 @@
           <a:p>
             <a:fld id="{EF8C5229-5677-4191-B782-B48EE3907174}" type="datetimeFigureOut">
               <a:rPr lang="es-CO" smtClean="0"/>
-              <a:t>23/03/2018</a:t>
+              <a:t>5/04/18</a:t>
             </a:fld>
             <a:endParaRPr lang="es-CO"/>
           </a:p>
@@ -1103,7 +1103,7 @@
           <a:lstStyle/>
           <a:p>
             <a:r>
-              <a:rPr lang="es-ES" smtClean="0"/>
+              <a:rPr lang="es-ES"/>
               <a:t>Haga clic para modificar el estilo de título del patrón</a:t>
             </a:r>
             <a:endParaRPr lang="en-US" dirty="0"/>
@@ -1132,35 +1132,35 @@
           <a:p>
             <a:pPr lvl="0"/>
             <a:r>
-              <a:rPr lang="es-ES" smtClean="0"/>
+              <a:rPr lang="es-ES"/>
               <a:t>Haga clic para modificar el estilo de texto del patrón</a:t>
             </a:r>
           </a:p>
           <a:p>
             <a:pPr lvl="1"/>
             <a:r>
-              <a:rPr lang="es-ES" smtClean="0"/>
+              <a:rPr lang="es-ES"/>
               <a:t>Segundo nivel</a:t>
             </a:r>
           </a:p>
           <a:p>
             <a:pPr lvl="2"/>
             <a:r>
-              <a:rPr lang="es-ES" smtClean="0"/>
+              <a:rPr lang="es-ES"/>
               <a:t>Tercer nivel</a:t>
             </a:r>
           </a:p>
           <a:p>
             <a:pPr lvl="3"/>
             <a:r>
-              <a:rPr lang="es-ES" smtClean="0"/>
+              <a:rPr lang="es-ES"/>
               <a:t>Cuarto nivel</a:t>
             </a:r>
           </a:p>
           <a:p>
             <a:pPr lvl="4"/>
             <a:r>
-              <a:rPr lang="es-ES" smtClean="0"/>
+              <a:rPr lang="es-ES"/>
               <a:t>Quinto nivel</a:t>
             </a:r>
             <a:endParaRPr lang="en-US" dirty="0"/>
@@ -1189,35 +1189,35 @@
           <a:p>
             <a:pPr lvl="0"/>
             <a:r>
-              <a:rPr lang="es-ES" smtClean="0"/>
+              <a:rPr lang="es-ES"/>
               <a:t>Haga clic para modificar el estilo de texto del patrón</a:t>
             </a:r>
           </a:p>
           <a:p>
             <a:pPr lvl="1"/>
             <a:r>
-              <a:rPr lang="es-ES" smtClean="0"/>
+              <a:rPr lang="es-ES"/>
               <a:t>Segundo nivel</a:t>
             </a:r>
           </a:p>
           <a:p>
             <a:pPr lvl="2"/>
             <a:r>
-              <a:rPr lang="es-ES" smtClean="0"/>
+              <a:rPr lang="es-ES"/>
               <a:t>Tercer nivel</a:t>
             </a:r>
           </a:p>
           <a:p>
             <a:pPr lvl="3"/>
             <a:r>
-              <a:rPr lang="es-ES" smtClean="0"/>
+              <a:rPr lang="es-ES"/>
               <a:t>Cuarto nivel</a:t>
             </a:r>
           </a:p>
           <a:p>
             <a:pPr lvl="4"/>
             <a:r>
-              <a:rPr lang="es-ES" smtClean="0"/>
+              <a:rPr lang="es-ES"/>
               <a:t>Quinto nivel</a:t>
             </a:r>
             <a:endParaRPr lang="en-US" dirty="0"/>
@@ -1241,7 +1241,7 @@
           <a:p>
             <a:fld id="{EF8C5229-5677-4191-B782-B48EE3907174}" type="datetimeFigureOut">
               <a:rPr lang="es-CO" smtClean="0"/>
-              <a:t>23/03/2018</a:t>
+              <a:t>5/04/18</a:t>
             </a:fld>
             <a:endParaRPr lang="es-CO"/>
           </a:p>
@@ -1340,7 +1340,7 @@
           <a:lstStyle/>
           <a:p>
             <a:r>
-              <a:rPr lang="es-ES" smtClean="0"/>
+              <a:rPr lang="es-ES"/>
               <a:t>Haga clic para modificar el estilo de título del patrón</a:t>
             </a:r>
             <a:endParaRPr lang="en-US" dirty="0"/>
@@ -1406,7 +1406,7 @@
           <a:p>
             <a:pPr lvl="0"/>
             <a:r>
-              <a:rPr lang="es-ES" smtClean="0"/>
+              <a:rPr lang="es-ES"/>
               <a:t>Haga clic para modificar el estilo de texto del patrón</a:t>
             </a:r>
           </a:p>
@@ -1434,35 +1434,35 @@
           <a:p>
             <a:pPr lvl="0"/>
             <a:r>
-              <a:rPr lang="es-ES" smtClean="0"/>
+              <a:rPr lang="es-ES"/>
               <a:t>Haga clic para modificar el estilo de texto del patrón</a:t>
             </a:r>
           </a:p>
           <a:p>
             <a:pPr lvl="1"/>
             <a:r>
-              <a:rPr lang="es-ES" smtClean="0"/>
+              <a:rPr lang="es-ES"/>
               <a:t>Segundo nivel</a:t>
             </a:r>
           </a:p>
           <a:p>
             <a:pPr lvl="2"/>
             <a:r>
-              <a:rPr lang="es-ES" smtClean="0"/>
+              <a:rPr lang="es-ES"/>
               <a:t>Tercer nivel</a:t>
             </a:r>
           </a:p>
           <a:p>
             <a:pPr lvl="3"/>
             <a:r>
-              <a:rPr lang="es-ES" smtClean="0"/>
+              <a:rPr lang="es-ES"/>
               <a:t>Cuarto nivel</a:t>
             </a:r>
           </a:p>
           <a:p>
             <a:pPr lvl="4"/>
             <a:r>
-              <a:rPr lang="es-ES" smtClean="0"/>
+              <a:rPr lang="es-ES"/>
               <a:t>Quinto nivel</a:t>
             </a:r>
             <a:endParaRPr lang="en-US" dirty="0"/>
@@ -1528,7 +1528,7 @@
           <a:p>
             <a:pPr lvl="0"/>
             <a:r>
-              <a:rPr lang="es-ES" smtClean="0"/>
+              <a:rPr lang="es-ES"/>
               <a:t>Haga clic para modificar el estilo de texto del patrón</a:t>
             </a:r>
           </a:p>
@@ -1556,35 +1556,35 @@
           <a:p>
             <a:pPr lvl="0"/>
             <a:r>
-              <a:rPr lang="es-ES" smtClean="0"/>
+              <a:rPr lang="es-ES"/>
               <a:t>Haga clic para modificar el estilo de texto del patrón</a:t>
             </a:r>
           </a:p>
           <a:p>
             <a:pPr lvl="1"/>
             <a:r>
-              <a:rPr lang="es-ES" smtClean="0"/>
+              <a:rPr lang="es-ES"/>
               <a:t>Segundo nivel</a:t>
             </a:r>
           </a:p>
           <a:p>
             <a:pPr lvl="2"/>
             <a:r>
-              <a:rPr lang="es-ES" smtClean="0"/>
+              <a:rPr lang="es-ES"/>
               <a:t>Tercer nivel</a:t>
             </a:r>
           </a:p>
           <a:p>
             <a:pPr lvl="3"/>
             <a:r>
-              <a:rPr lang="es-ES" smtClean="0"/>
+              <a:rPr lang="es-ES"/>
               <a:t>Cuarto nivel</a:t>
             </a:r>
           </a:p>
           <a:p>
             <a:pPr lvl="4"/>
             <a:r>
-              <a:rPr lang="es-ES" smtClean="0"/>
+              <a:rPr lang="es-ES"/>
               <a:t>Quinto nivel</a:t>
             </a:r>
             <a:endParaRPr lang="en-US" dirty="0"/>
@@ -1608,7 +1608,7 @@
           <a:p>
             <a:fld id="{EF8C5229-5677-4191-B782-B48EE3907174}" type="datetimeFigureOut">
               <a:rPr lang="es-CO" smtClean="0"/>
-              <a:t>23/03/2018</a:t>
+              <a:t>5/04/18</a:t>
             </a:fld>
             <a:endParaRPr lang="es-CO"/>
           </a:p>
@@ -1702,7 +1702,7 @@
           <a:lstStyle/>
           <a:p>
             <a:r>
-              <a:rPr lang="es-ES" smtClean="0"/>
+              <a:rPr lang="es-ES"/>
               <a:t>Haga clic para modificar el estilo de título del patrón</a:t>
             </a:r>
             <a:endParaRPr lang="en-US" dirty="0"/>
@@ -1726,7 +1726,7 @@
           <a:p>
             <a:fld id="{EF8C5229-5677-4191-B782-B48EE3907174}" type="datetimeFigureOut">
               <a:rPr lang="es-CO" smtClean="0"/>
-              <a:t>23/03/2018</a:t>
+              <a:t>5/04/18</a:t>
             </a:fld>
             <a:endParaRPr lang="es-CO"/>
           </a:p>
@@ -1821,7 +1821,7 @@
           <a:p>
             <a:fld id="{EF8C5229-5677-4191-B782-B48EE3907174}" type="datetimeFigureOut">
               <a:rPr lang="es-CO" smtClean="0"/>
-              <a:t>23/03/2018</a:t>
+              <a:t>5/04/18</a:t>
             </a:fld>
             <a:endParaRPr lang="es-CO"/>
           </a:p>
@@ -1924,7 +1924,7 @@
           </a:lstStyle>
           <a:p>
             <a:r>
-              <a:rPr lang="es-ES" smtClean="0"/>
+              <a:rPr lang="es-ES"/>
               <a:t>Haga clic para modificar el estilo de título del patrón</a:t>
             </a:r>
             <a:endParaRPr lang="en-US" dirty="0"/>
@@ -1981,35 +1981,35 @@
           <a:p>
             <a:pPr lvl="0"/>
             <a:r>
-              <a:rPr lang="es-ES" smtClean="0"/>
+              <a:rPr lang="es-ES"/>
               <a:t>Haga clic para modificar el estilo de texto del patrón</a:t>
             </a:r>
           </a:p>
           <a:p>
             <a:pPr lvl="1"/>
             <a:r>
-              <a:rPr lang="es-ES" smtClean="0"/>
+              <a:rPr lang="es-ES"/>
               <a:t>Segundo nivel</a:t>
             </a:r>
           </a:p>
           <a:p>
             <a:pPr lvl="2"/>
             <a:r>
-              <a:rPr lang="es-ES" smtClean="0"/>
+              <a:rPr lang="es-ES"/>
               <a:t>Tercer nivel</a:t>
             </a:r>
           </a:p>
           <a:p>
             <a:pPr lvl="3"/>
             <a:r>
-              <a:rPr lang="es-ES" smtClean="0"/>
+              <a:rPr lang="es-ES"/>
               <a:t>Cuarto nivel</a:t>
             </a:r>
           </a:p>
           <a:p>
             <a:pPr lvl="4"/>
             <a:r>
-              <a:rPr lang="es-ES" smtClean="0"/>
+              <a:rPr lang="es-ES"/>
               <a:t>Quinto nivel</a:t>
             </a:r>
             <a:endParaRPr lang="en-US" dirty="0"/>
@@ -2075,7 +2075,7 @@
           <a:p>
             <a:pPr lvl="0"/>
             <a:r>
-              <a:rPr lang="es-ES" smtClean="0"/>
+              <a:rPr lang="es-ES"/>
               <a:t>Haga clic para modificar el estilo de texto del patrón</a:t>
             </a:r>
           </a:p>
@@ -2098,7 +2098,7 @@
           <a:p>
             <a:fld id="{EF8C5229-5677-4191-B782-B48EE3907174}" type="datetimeFigureOut">
               <a:rPr lang="es-CO" smtClean="0"/>
-              <a:t>23/03/2018</a:t>
+              <a:t>5/04/18</a:t>
             </a:fld>
             <a:endParaRPr lang="es-CO"/>
           </a:p>
@@ -2201,7 +2201,7 @@
           </a:lstStyle>
           <a:p>
             <a:r>
-              <a:rPr lang="es-ES" smtClean="0"/>
+              <a:rPr lang="es-ES"/>
               <a:t>Haga clic para modificar el estilo de título del patrón</a:t>
             </a:r>
             <a:endParaRPr lang="en-US" dirty="0"/>
@@ -2266,7 +2266,7 @@
           </a:lstStyle>
           <a:p>
             <a:r>
-              <a:rPr lang="es-ES" smtClean="0"/>
+              <a:rPr lang="es-ES"/>
               <a:t>Haga clic en el icono para agregar una imagen</a:t>
             </a:r>
             <a:endParaRPr lang="en-US" dirty="0"/>
@@ -2332,7 +2332,7 @@
           <a:p>
             <a:pPr lvl="0"/>
             <a:r>
-              <a:rPr lang="es-ES" smtClean="0"/>
+              <a:rPr lang="es-ES"/>
               <a:t>Haga clic para modificar el estilo de texto del patrón</a:t>
             </a:r>
           </a:p>
@@ -2355,7 +2355,7 @@
           <a:p>
             <a:fld id="{EF8C5229-5677-4191-B782-B48EE3907174}" type="datetimeFigureOut">
               <a:rPr lang="es-CO" smtClean="0"/>
-              <a:t>23/03/2018</a:t>
+              <a:t>5/04/18</a:t>
             </a:fld>
             <a:endParaRPr lang="es-CO"/>
           </a:p>
@@ -2464,7 +2464,7 @@
           <a:lstStyle/>
           <a:p>
             <a:r>
-              <a:rPr lang="es-ES" smtClean="0"/>
+              <a:rPr lang="es-ES"/>
               <a:t>Haga clic para modificar el estilo de título del patrón</a:t>
             </a:r>
             <a:endParaRPr lang="en-US" dirty="0"/>
@@ -2498,35 +2498,35 @@
           <a:p>
             <a:pPr lvl="0"/>
             <a:r>
-              <a:rPr lang="es-ES" smtClean="0"/>
+              <a:rPr lang="es-ES"/>
               <a:t>Haga clic para modificar el estilo de texto del patrón</a:t>
             </a:r>
           </a:p>
           <a:p>
             <a:pPr lvl="1"/>
             <a:r>
-              <a:rPr lang="es-ES" smtClean="0"/>
+              <a:rPr lang="es-ES"/>
               <a:t>Segundo nivel</a:t>
             </a:r>
           </a:p>
           <a:p>
             <a:pPr lvl="2"/>
             <a:r>
-              <a:rPr lang="es-ES" smtClean="0"/>
+              <a:rPr lang="es-ES"/>
               <a:t>Tercer nivel</a:t>
             </a:r>
           </a:p>
           <a:p>
             <a:pPr lvl="3"/>
             <a:r>
-              <a:rPr lang="es-ES" smtClean="0"/>
+              <a:rPr lang="es-ES"/>
               <a:t>Cuarto nivel</a:t>
             </a:r>
           </a:p>
           <a:p>
             <a:pPr lvl="4"/>
             <a:r>
-              <a:rPr lang="es-ES" smtClean="0"/>
+              <a:rPr lang="es-ES"/>
               <a:t>Quinto nivel</a:t>
             </a:r>
             <a:endParaRPr lang="en-US" dirty="0"/>
@@ -2568,7 +2568,7 @@
           <a:p>
             <a:fld id="{EF8C5229-5677-4191-B782-B48EE3907174}" type="datetimeFigureOut">
               <a:rPr lang="es-CO" smtClean="0"/>
-              <a:t>23/03/2018</a:t>
+              <a:t>5/04/18</a:t>
             </a:fld>
             <a:endParaRPr lang="es-CO"/>
           </a:p>
@@ -2994,9 +2994,16 @@
           </a:solidFill>
           <a:ln>
             <a:solidFill>
-              <a:schemeClr val="tx1"/>
+              <a:schemeClr val="bg1"/>
             </a:solidFill>
           </a:ln>
+          <a:effectLst>
+            <a:outerShdw blurRad="63500" sx="102000" sy="102000" algn="ctr" rotWithShape="0">
+              <a:prstClr val="black">
+                <a:alpha val="40000"/>
+              </a:prstClr>
+            </a:outerShdw>
+          </a:effectLst>
         </p:spPr>
         <p:style>
           <a:lnRef idx="2">
@@ -3020,10 +3027,28 @@
           <a:p>
             <a:pPr algn="ctr"/>
             <a:r>
-              <a:rPr lang="es-CO" sz="2126" dirty="0"/>
-              <a:t>Gerente General (Jeimy Sosa)</a:t>
-            </a:r>
-            <a:endParaRPr lang="es-CO" sz="2126" dirty="0"/>
+              <a:rPr lang="es-CO" sz="2126" b="1" dirty="0"/>
+              <a:t>Gerente General </a:t>
+            </a:r>
+            <a:r>
+              <a:rPr lang="es-CO" sz="1600" dirty="0">
+                <a:solidFill>
+                  <a:schemeClr val="accent6">
+                    <a:lumMod val="20000"/>
+                    <a:lumOff val="80000"/>
+                  </a:schemeClr>
+                </a:solidFill>
+              </a:rPr>
+              <a:t>Jeimy Sosa</a:t>
+            </a:r>
+            <a:endParaRPr lang="es-CO" sz="2126" dirty="0">
+              <a:solidFill>
+                <a:schemeClr val="accent6">
+                  <a:lumMod val="20000"/>
+                  <a:lumOff val="80000"/>
+                </a:schemeClr>
+              </a:solidFill>
+            </a:endParaRPr>
           </a:p>
         </p:txBody>
       </p:sp>
@@ -3047,6 +3072,18 @@
               <a:lumOff val="40000"/>
             </a:schemeClr>
           </a:solidFill>
+          <a:ln>
+            <a:solidFill>
+              <a:schemeClr val="bg1"/>
+            </a:solidFill>
+          </a:ln>
+          <a:effectLst>
+            <a:outerShdw blurRad="63500" sx="102000" sy="102000" algn="ctr" rotWithShape="0">
+              <a:prstClr val="black">
+                <a:alpha val="40000"/>
+              </a:prstClr>
+            </a:outerShdw>
+          </a:effectLst>
         </p:spPr>
         <p:style>
           <a:lnRef idx="2">
@@ -3070,10 +3107,23 @@
           <a:p>
             <a:pPr algn="ctr"/>
             <a:r>
-              <a:rPr lang="es-CO" sz="2126" dirty="0"/>
-              <a:t>Administrador DB (Dario Muñoz)</a:t>
-            </a:r>
-            <a:endParaRPr lang="es-CO" sz="2126" dirty="0"/>
+              <a:rPr lang="es-CO" sz="2000" b="1" dirty="0"/>
+              <a:t>Administrador DB </a:t>
+            </a:r>
+          </a:p>
+          <a:p>
+            <a:pPr algn="ctr"/>
+            <a:r>
+              <a:rPr lang="es-CO" sz="1600" dirty="0">
+                <a:solidFill>
+                  <a:schemeClr val="accent6">
+                    <a:lumMod val="20000"/>
+                    <a:lumOff val="80000"/>
+                  </a:schemeClr>
+                </a:solidFill>
+              </a:rPr>
+              <a:t>Dario Muñoz</a:t>
+            </a:r>
           </a:p>
         </p:txBody>
       </p:sp>
@@ -3097,6 +3147,18 @@
               <a:lumOff val="40000"/>
             </a:schemeClr>
           </a:solidFill>
+          <a:ln>
+            <a:solidFill>
+              <a:schemeClr val="bg1"/>
+            </a:solidFill>
+          </a:ln>
+          <a:effectLst>
+            <a:outerShdw blurRad="63500" sx="102000" sy="102000" algn="ctr" rotWithShape="0">
+              <a:prstClr val="black">
+                <a:alpha val="40000"/>
+              </a:prstClr>
+            </a:outerShdw>
+          </a:effectLst>
         </p:spPr>
         <p:style>
           <a:lnRef idx="2">
@@ -3120,10 +3182,28 @@
           <a:p>
             <a:pPr algn="ctr"/>
             <a:r>
-              <a:rPr lang="es-CO" sz="2126" dirty="0"/>
-              <a:t>Community Manager (Camilo D’Achiardi)</a:t>
-            </a:r>
-            <a:endParaRPr lang="es-CO" sz="2126" dirty="0"/>
+              <a:rPr lang="es-CO" b="1" dirty="0"/>
+              <a:t>Community Manager </a:t>
+            </a:r>
+            <a:r>
+              <a:rPr lang="es-CO" sz="1600" dirty="0">
+                <a:solidFill>
+                  <a:schemeClr val="accent4">
+                    <a:lumMod val="20000"/>
+                    <a:lumOff val="80000"/>
+                  </a:schemeClr>
+                </a:solidFill>
+              </a:rPr>
+              <a:t>Camilo D’Achiardi</a:t>
+            </a:r>
+            <a:endParaRPr lang="es-CO" sz="2126" dirty="0">
+              <a:solidFill>
+                <a:schemeClr val="accent4">
+                  <a:lumMod val="20000"/>
+                  <a:lumOff val="80000"/>
+                </a:schemeClr>
+              </a:solidFill>
+            </a:endParaRPr>
           </a:p>
         </p:txBody>
       </p:sp>
@@ -3147,6 +3227,18 @@
               <a:lumOff val="40000"/>
             </a:schemeClr>
           </a:solidFill>
+          <a:ln>
+            <a:solidFill>
+              <a:schemeClr val="bg1"/>
+            </a:solidFill>
+          </a:ln>
+          <a:effectLst>
+            <a:outerShdw blurRad="63500" sx="102000" sy="102000" algn="ctr" rotWithShape="0">
+              <a:prstClr val="black">
+                <a:alpha val="40000"/>
+              </a:prstClr>
+            </a:outerShdw>
+          </a:effectLst>
         </p:spPr>
         <p:style>
           <a:lnRef idx="2">
@@ -3170,22 +3262,27 @@
           <a:p>
             <a:pPr algn="ctr"/>
             <a:r>
+              <a:rPr lang="es-CO" sz="2126" b="1" dirty="0"/>
+              <a:t>Equipo</a:t>
+            </a:r>
+            <a:r>
               <a:rPr lang="es-CO" sz="2126" dirty="0"/>
-              <a:t>Equipo </a:t>
-            </a:r>
-            <a:r>
-              <a:rPr lang="es-CO" sz="2126" dirty="0" smtClean="0"/>
-              <a:t>(</a:t>
-            </a:r>
-            <a:r>
-              <a:rPr lang="es-CO" sz="2126" dirty="0"/>
-              <a:t>Jeimy Sosa, Gabriel Álvarez, </a:t>
-            </a:r>
-            <a:r>
-              <a:rPr lang="es-CO" sz="2126" dirty="0"/>
-              <a:t>Dario Muñoz, Camilo D’Achiardi)</a:t>
-            </a:r>
-            <a:endParaRPr lang="es-CO" sz="2126" dirty="0"/>
+              <a:t> </a:t>
+            </a:r>
+          </a:p>
+          <a:p>
+            <a:pPr algn="ctr"/>
+            <a:r>
+              <a:rPr lang="es-CO" sz="1600" dirty="0">
+                <a:solidFill>
+                  <a:schemeClr val="accent2">
+                    <a:lumMod val="20000"/>
+                    <a:lumOff val="80000"/>
+                  </a:schemeClr>
+                </a:solidFill>
+              </a:rPr>
+              <a:t>Jeimy Sosa, Gabriel Álvarez, Dario Muñoz, Camilo D’Achiardi</a:t>
+            </a:r>
           </a:p>
         </p:txBody>
       </p:sp>
@@ -3208,9 +3305,16 @@
           </a:solidFill>
           <a:ln>
             <a:solidFill>
-              <a:schemeClr val="tx1"/>
+              <a:schemeClr val="bg1"/>
             </a:solidFill>
           </a:ln>
+          <a:effectLst>
+            <a:outerShdw blurRad="63500" sx="102000" sy="102000" algn="ctr" rotWithShape="0">
+              <a:prstClr val="black">
+                <a:alpha val="40000"/>
+              </a:prstClr>
+            </a:outerShdw>
+          </a:effectLst>
         </p:spPr>
         <p:style>
           <a:lnRef idx="2">
@@ -3234,14 +3338,26 @@
           <a:p>
             <a:pPr algn="ctr"/>
             <a:r>
-              <a:rPr lang="es-CO" sz="2126" dirty="0"/>
-              <a:t>Gerente  de Recursos </a:t>
-            </a:r>
-            <a:r>
-              <a:rPr lang="es-CO" sz="2126" dirty="0" smtClean="0"/>
-              <a:t>Humanos                        (Gabriel Álvarez)</a:t>
-            </a:r>
-            <a:endParaRPr lang="es-CO" sz="2126" dirty="0"/>
+              <a:rPr lang="es-CO" sz="2126" b="1" dirty="0"/>
+              <a:t>Gerente  de Recursos Humanos                        </a:t>
+            </a:r>
+            <a:r>
+              <a:rPr lang="es-CO" sz="1600" dirty="0">
+                <a:solidFill>
+                  <a:schemeClr val="bg1">
+                    <a:lumMod val="95000"/>
+                  </a:schemeClr>
+                </a:solidFill>
+              </a:rPr>
+              <a:t>Gabriel Álvarez</a:t>
+            </a:r>
+            <a:endParaRPr lang="es-CO" sz="2126" dirty="0">
+              <a:solidFill>
+                <a:schemeClr val="bg1">
+                  <a:lumMod val="95000"/>
+                </a:schemeClr>
+              </a:solidFill>
+            </a:endParaRPr>
           </a:p>
         </p:txBody>
       </p:sp>
@@ -3264,6 +3380,18 @@
               <a:lumMod val="75000"/>
             </a:schemeClr>
           </a:solidFill>
+          <a:ln>
+            <a:solidFill>
+              <a:schemeClr val="bg1"/>
+            </a:solidFill>
+          </a:ln>
+          <a:effectLst>
+            <a:outerShdw blurRad="63500" sx="102000" sy="102000" algn="ctr" rotWithShape="0">
+              <a:prstClr val="black">
+                <a:alpha val="40000"/>
+              </a:prstClr>
+            </a:outerShdw>
+          </a:effectLst>
         </p:spPr>
         <p:style>
           <a:lnRef idx="2">
@@ -3287,14 +3415,28 @@
           <a:p>
             <a:pPr algn="ctr"/>
             <a:r>
-              <a:rPr lang="es-CO" sz="2126" dirty="0"/>
+              <a:rPr lang="es-CO" sz="2126" b="1" dirty="0"/>
               <a:t>Product Owner </a:t>
             </a:r>
             <a:r>
-              <a:rPr lang="es-CO" sz="2126" dirty="0" smtClean="0"/>
-              <a:t>(Jeimy Sosa)</a:t>
-            </a:r>
-            <a:endParaRPr lang="es-CO" sz="2126" dirty="0"/>
+              <a:rPr lang="es-CO" sz="1600" dirty="0">
+                <a:solidFill>
+                  <a:schemeClr val="accent2">
+                    <a:lumMod val="20000"/>
+                    <a:lumOff val="80000"/>
+                  </a:schemeClr>
+                </a:solidFill>
+              </a:rPr>
+              <a:t>Jeimy Sosa</a:t>
+            </a:r>
+            <a:endParaRPr lang="es-CO" sz="2126" dirty="0">
+              <a:solidFill>
+                <a:schemeClr val="accent2">
+                  <a:lumMod val="20000"/>
+                  <a:lumOff val="80000"/>
+                </a:schemeClr>
+              </a:solidFill>
+            </a:endParaRPr>
           </a:p>
         </p:txBody>
       </p:sp>
@@ -3318,6 +3460,18 @@
               <a:lumOff val="40000"/>
             </a:schemeClr>
           </a:solidFill>
+          <a:ln>
+            <a:solidFill>
+              <a:schemeClr val="bg1"/>
+            </a:solidFill>
+          </a:ln>
+          <a:effectLst>
+            <a:outerShdw blurRad="63500" sx="102000" sy="102000" algn="ctr" rotWithShape="0">
+              <a:prstClr val="black">
+                <a:alpha val="40000"/>
+              </a:prstClr>
+            </a:outerShdw>
+          </a:effectLst>
         </p:spPr>
         <p:style>
           <a:lnRef idx="2">
@@ -3341,10 +3495,23 @@
           <a:p>
             <a:pPr algn="ctr"/>
             <a:r>
-              <a:rPr lang="es-CO" sz="2126" dirty="0"/>
-              <a:t>Gerente Comercial (Camilo D’Achiardi)</a:t>
-            </a:r>
-            <a:endParaRPr lang="es-CO" sz="2126" dirty="0"/>
+              <a:rPr lang="es-CO" sz="2000" b="1" dirty="0"/>
+              <a:t>Gerente Comercial </a:t>
+            </a:r>
+          </a:p>
+          <a:p>
+            <a:pPr algn="ctr"/>
+            <a:r>
+              <a:rPr lang="es-CO" sz="1600" dirty="0">
+                <a:solidFill>
+                  <a:schemeClr val="accent4">
+                    <a:lumMod val="20000"/>
+                    <a:lumOff val="80000"/>
+                  </a:schemeClr>
+                </a:solidFill>
+              </a:rPr>
+              <a:t>Camilo D’Achiardi</a:t>
+            </a:r>
           </a:p>
         </p:txBody>
       </p:sp>
@@ -3368,6 +3535,18 @@
               <a:lumOff val="40000"/>
             </a:schemeClr>
           </a:solidFill>
+          <a:ln>
+            <a:solidFill>
+              <a:schemeClr val="bg1"/>
+            </a:solidFill>
+          </a:ln>
+          <a:effectLst>
+            <a:outerShdw blurRad="63500" sx="102000" sy="102000" algn="ctr" rotWithShape="0">
+              <a:prstClr val="black">
+                <a:alpha val="40000"/>
+              </a:prstClr>
+            </a:outerShdw>
+          </a:effectLst>
         </p:spPr>
         <p:style>
           <a:lnRef idx="2">
@@ -3391,14 +3570,32 @@
           <a:p>
             <a:pPr algn="ctr"/>
             <a:r>
+              <a:rPr lang="es-CO" sz="2126" b="1" dirty="0"/>
+              <a:t>SCRUM Master</a:t>
+            </a:r>
+            <a:r>
               <a:rPr lang="es-CO" sz="2126" dirty="0"/>
-              <a:t>SCRUM Master </a:t>
-            </a:r>
-            <a:r>
-              <a:rPr lang="es-CO" sz="2126" dirty="0" smtClean="0"/>
-              <a:t>(Darío Muñoz)</a:t>
-            </a:r>
-            <a:endParaRPr lang="es-CO" sz="2126" dirty="0"/>
+              <a:t> </a:t>
+            </a:r>
+            <a:r>
+              <a:rPr lang="es-CO" sz="1600" dirty="0">
+                <a:solidFill>
+                  <a:schemeClr val="accent2">
+                    <a:lumMod val="20000"/>
+                    <a:lumOff val="80000"/>
+                  </a:schemeClr>
+                </a:solidFill>
+              </a:rPr>
+              <a:t>Darío Muñoz</a:t>
+            </a:r>
+            <a:endParaRPr lang="es-CO" sz="2126" dirty="0">
+              <a:solidFill>
+                <a:schemeClr val="accent2">
+                  <a:lumMod val="20000"/>
+                  <a:lumOff val="80000"/>
+                </a:schemeClr>
+              </a:solidFill>
+            </a:endParaRPr>
           </a:p>
         </p:txBody>
       </p:sp>
@@ -3421,6 +3618,18 @@
               <a:lumMod val="75000"/>
             </a:schemeClr>
           </a:solidFill>
+          <a:ln>
+            <a:solidFill>
+              <a:schemeClr val="bg1"/>
+            </a:solidFill>
+          </a:ln>
+          <a:effectLst>
+            <a:outerShdw blurRad="63500" sx="102000" sy="102000" algn="ctr" rotWithShape="0">
+              <a:prstClr val="black">
+                <a:alpha val="40000"/>
+              </a:prstClr>
+            </a:outerShdw>
+          </a:effectLst>
         </p:spPr>
         <p:style>
           <a:lnRef idx="2">
@@ -3444,14 +3653,23 @@
           <a:p>
             <a:pPr algn="ctr"/>
             <a:r>
-              <a:rPr lang="es-CO" sz="2126" dirty="0"/>
-              <a:t>Gerente de Infraestructura </a:t>
-            </a:r>
-            <a:r>
-              <a:rPr lang="es-CO" sz="2126" dirty="0" smtClean="0"/>
-              <a:t>(Gabriel Álvarez)</a:t>
-            </a:r>
-            <a:endParaRPr lang="es-CO" sz="2126" dirty="0"/>
+              <a:rPr lang="es-CO" b="1" dirty="0"/>
+              <a:t>Gerente de Infraestructura</a:t>
+            </a:r>
+          </a:p>
+          <a:p>
+            <a:pPr algn="ctr"/>
+            <a:r>
+              <a:rPr lang="es-CO" sz="1600" dirty="0">
+                <a:solidFill>
+                  <a:schemeClr val="accent6">
+                    <a:lumMod val="20000"/>
+                    <a:lumOff val="80000"/>
+                  </a:schemeClr>
+                </a:solidFill>
+              </a:rPr>
+              <a:t>Gabriel Álvarez</a:t>
+            </a:r>
           </a:p>
         </p:txBody>
       </p:sp>
@@ -3471,6 +3689,13 @@
           <a:prstGeom prst="line">
             <a:avLst/>
           </a:prstGeom>
+          <a:ln>
+            <a:solidFill>
+              <a:schemeClr val="bg1">
+                <a:lumMod val="85000"/>
+              </a:schemeClr>
+            </a:solidFill>
+          </a:ln>
         </p:spPr>
         <p:style>
           <a:lnRef idx="1">
@@ -3501,6 +3726,13 @@
           <a:prstGeom prst="line">
             <a:avLst/>
           </a:prstGeom>
+          <a:ln>
+            <a:solidFill>
+              <a:schemeClr val="bg1">
+                <a:lumMod val="85000"/>
+              </a:schemeClr>
+            </a:solidFill>
+          </a:ln>
         </p:spPr>
         <p:style>
           <a:lnRef idx="1">
@@ -3531,6 +3763,13 @@
           <a:prstGeom prst="line">
             <a:avLst/>
           </a:prstGeom>
+          <a:ln>
+            <a:solidFill>
+              <a:schemeClr val="bg1">
+                <a:lumMod val="85000"/>
+              </a:schemeClr>
+            </a:solidFill>
+          </a:ln>
         </p:spPr>
         <p:style>
           <a:lnRef idx="1">
@@ -3564,6 +3803,11 @@
             <a:avLst/>
           </a:prstGeom>
           <a:ln>
+            <a:solidFill>
+              <a:schemeClr val="bg1">
+                <a:lumMod val="85000"/>
+              </a:schemeClr>
+            </a:solidFill>
             <a:tailEnd type="triangle"/>
           </a:ln>
         </p:spPr>
@@ -3599,6 +3843,11 @@
             <a:avLst/>
           </a:prstGeom>
           <a:ln>
+            <a:solidFill>
+              <a:schemeClr val="bg1">
+                <a:lumMod val="85000"/>
+              </a:schemeClr>
+            </a:solidFill>
             <a:tailEnd type="triangle"/>
           </a:ln>
         </p:spPr>
@@ -3634,6 +3883,11 @@
             <a:avLst/>
           </a:prstGeom>
           <a:ln>
+            <a:solidFill>
+              <a:schemeClr val="bg1">
+                <a:lumMod val="85000"/>
+              </a:schemeClr>
+            </a:solidFill>
             <a:tailEnd type="triangle"/>
           </a:ln>
         </p:spPr>
@@ -3669,6 +3923,11 @@
             <a:avLst/>
           </a:prstGeom>
           <a:ln>
+            <a:solidFill>
+              <a:schemeClr val="bg1">
+                <a:lumMod val="85000"/>
+              </a:schemeClr>
+            </a:solidFill>
             <a:tailEnd type="triangle"/>
           </a:ln>
         </p:spPr>
@@ -3705,6 +3964,11 @@
             <a:avLst/>
           </a:prstGeom>
           <a:ln>
+            <a:solidFill>
+              <a:schemeClr val="bg1">
+                <a:lumMod val="85000"/>
+              </a:schemeClr>
+            </a:solidFill>
             <a:tailEnd type="triangle"/>
           </a:ln>
         </p:spPr>
@@ -3741,6 +4005,11 @@
             <a:avLst/>
           </a:prstGeom>
           <a:ln>
+            <a:solidFill>
+              <a:schemeClr val="bg1">
+                <a:lumMod val="85000"/>
+              </a:schemeClr>
+            </a:solidFill>
             <a:tailEnd type="triangle"/>
           </a:ln>
         </p:spPr>
@@ -3777,6 +4046,11 @@
             <a:avLst/>
           </a:prstGeom>
           <a:ln>
+            <a:solidFill>
+              <a:schemeClr val="bg1">
+                <a:lumMod val="85000"/>
+              </a:schemeClr>
+            </a:solidFill>
             <a:tailEnd type="triangle"/>
           </a:ln>
         </p:spPr>
@@ -3813,6 +4087,11 @@
             <a:avLst/>
           </a:prstGeom>
           <a:ln>
+            <a:solidFill>
+              <a:schemeClr val="bg1">
+                <a:lumMod val="85000"/>
+              </a:schemeClr>
+            </a:solidFill>
             <a:tailEnd type="triangle"/>
           </a:ln>
         </p:spPr>
@@ -3847,7 +4126,7 @@
 <file path=ppt/theme/theme1.xml><?xml version="1.0" encoding="utf-8"?>
 <a:theme xmlns:a="http://schemas.openxmlformats.org/drawingml/2006/main" name="Tema de Office">
   <a:themeElements>
-    <a:clrScheme name="Tema de Office">
+    <a:clrScheme name="Verde azulado">
       <a:dk1>
         <a:sysClr val="windowText" lastClr="000000"/>
       </a:dk1>
@@ -3855,81 +4134,48 @@
         <a:sysClr val="window" lastClr="FFFFFF"/>
       </a:lt1>
       <a:dk2>
-        <a:srgbClr val="44546A"/>
+        <a:srgbClr val="373545"/>
       </a:dk2>
       <a:lt2>
-        <a:srgbClr val="E7E6E6"/>
+        <a:srgbClr val="CEDBE6"/>
       </a:lt2>
       <a:accent1>
-        <a:srgbClr val="5B9BD5"/>
+        <a:srgbClr val="3494BA"/>
       </a:accent1>
       <a:accent2>
-        <a:srgbClr val="ED7D31"/>
+        <a:srgbClr val="58B6C0"/>
       </a:accent2>
       <a:accent3>
-        <a:srgbClr val="A5A5A5"/>
+        <a:srgbClr val="75BDA7"/>
       </a:accent3>
       <a:accent4>
-        <a:srgbClr val="FFC000"/>
+        <a:srgbClr val="7A8C8E"/>
       </a:accent4>
       <a:accent5>
-        <a:srgbClr val="4472C4"/>
+        <a:srgbClr val="84ACB6"/>
       </a:accent5>
       <a:accent6>
-        <a:srgbClr val="70AD47"/>
+        <a:srgbClr val="2683C6"/>
       </a:accent6>
       <a:hlink>
-        <a:srgbClr val="0563C1"/>
+        <a:srgbClr val="6B9F25"/>
       </a:hlink>
       <a:folHlink>
-        <a:srgbClr val="954F72"/>
+        <a:srgbClr val="9F6715"/>
       </a:folHlink>
     </a:clrScheme>
-    <a:fontScheme name="Tema de Office">
+    <a:fontScheme name="Gill Sans MT">
       <a:majorFont>
-        <a:latin typeface="Calibri Light" panose="020F0302020204030204"/>
+        <a:latin typeface="Gill Sans MT" panose="020B0502020104020203"/>
         <a:ea typeface=""/>
         <a:cs typeface=""/>
-        <a:font script="Jpan" typeface="ＭＳ Ｐゴシック"/>
-        <a:font script="Hang" typeface="맑은 고딕"/>
-        <a:font script="Hans" typeface="宋体"/>
-        <a:font script="Hant" typeface="新細明體"/>
-        <a:font script="Arab" typeface="Times New Roman"/>
-        <a:font script="Hebr" typeface="Times New Roman"/>
-        <a:font script="Thai" typeface="Angsana New"/>
-        <a:font script="Ethi" typeface="Nyala"/>
-        <a:font script="Beng" typeface="Vrinda"/>
-        <a:font script="Gujr" typeface="Shruti"/>
-        <a:font script="Khmr" typeface="MoolBoran"/>
-        <a:font script="Knda" typeface="Tunga"/>
-        <a:font script="Guru" typeface="Raavi"/>
-        <a:font script="Cans" typeface="Euphemia"/>
-        <a:font script="Cher" typeface="Plantagenet Cherokee"/>
-        <a:font script="Yiii" typeface="Microsoft Yi Baiti"/>
-        <a:font script="Tibt" typeface="Microsoft Himalaya"/>
-        <a:font script="Thaa" typeface="MV Boli"/>
-        <a:font script="Deva" typeface="Mangal"/>
-        <a:font script="Telu" typeface="Gautami"/>
-        <a:font script="Taml" typeface="Latha"/>
-        <a:font script="Syrc" typeface="Estrangelo Edessa"/>
-        <a:font script="Orya" typeface="Kalinga"/>
-        <a:font script="Mlym" typeface="Kartika"/>
-        <a:font script="Laoo" typeface="DokChampa"/>
-        <a:font script="Sinh" typeface="Iskoola Pota"/>
-        <a:font script="Mong" typeface="Mongolian Baiti"/>
-        <a:font script="Viet" typeface="Times New Roman"/>
-        <a:font script="Uigh" typeface="Microsoft Uighur"/>
-        <a:font script="Geor" typeface="Sylfaen"/>
-      </a:majorFont>
-      <a:minorFont>
-        <a:latin typeface="Calibri" panose="020F0502020204030204"/>
-        <a:ea typeface=""/>
-        <a:cs typeface=""/>
-        <a:font script="Jpan" typeface="ＭＳ Ｐゴシック"/>
-        <a:font script="Hang" typeface="맑은 고딕"/>
-        <a:font script="Hans" typeface="宋体"/>
-        <a:font script="Hant" typeface="新細明體"/>
-        <a:font script="Arab" typeface="Arial"/>
+        <a:font script="Grek" typeface="Corbel"/>
+        <a:font script="Cyrl" typeface="Corbel"/>
+        <a:font script="Jpan" typeface="HGｺﾞｼｯｸE"/>
+        <a:font script="Hang" typeface="휴먼매직체"/>
+        <a:font script="Hans" typeface="华文中宋"/>
+        <a:font script="Hant" typeface="微軟正黑體"/>
+        <a:font script="Arab" typeface="Majalla UI"/>
         <a:font script="Hebr" typeface="Arial"/>
         <a:font script="Thai" typeface="Cordia New"/>
         <a:font script="Ethi" typeface="Nyala"/>
@@ -3952,7 +4198,44 @@
         <a:font script="Laoo" typeface="DokChampa"/>
         <a:font script="Sinh" typeface="Iskoola Pota"/>
         <a:font script="Mong" typeface="Mongolian Baiti"/>
-        <a:font script="Viet" typeface="Arial"/>
+        <a:font script="Viet" typeface="Tahoma"/>
+        <a:font script="Uigh" typeface="Microsoft Uighur"/>
+        <a:font script="Geor" typeface="Sylfaen"/>
+      </a:majorFont>
+      <a:minorFont>
+        <a:latin typeface="Gill Sans MT" panose="020B0502020104020203"/>
+        <a:ea typeface=""/>
+        <a:cs typeface=""/>
+        <a:font script="Grek" typeface="Corbel"/>
+        <a:font script="Cyrl" typeface="Corbel"/>
+        <a:font script="Jpan" typeface="HGｺﾞｼｯｸE"/>
+        <a:font script="Hang" typeface="휴먼매직체"/>
+        <a:font script="Hans" typeface="华文中宋"/>
+        <a:font script="Hant" typeface="微軟正黑體"/>
+        <a:font script="Arab" typeface="Majalla UI"/>
+        <a:font script="Hebr" typeface="Arial"/>
+        <a:font script="Thai" typeface="Cordia New"/>
+        <a:font script="Ethi" typeface="Nyala"/>
+        <a:font script="Beng" typeface="Vrinda"/>
+        <a:font script="Gujr" typeface="Shruti"/>
+        <a:font script="Khmr" typeface="DaunPenh"/>
+        <a:font script="Knda" typeface="Tunga"/>
+        <a:font script="Guru" typeface="Raavi"/>
+        <a:font script="Cans" typeface="Euphemia"/>
+        <a:font script="Cher" typeface="Plantagenet Cherokee"/>
+        <a:font script="Yiii" typeface="Microsoft Yi Baiti"/>
+        <a:font script="Tibt" typeface="Microsoft Himalaya"/>
+        <a:font script="Thaa" typeface="MV Boli"/>
+        <a:font script="Deva" typeface="Mangal"/>
+        <a:font script="Telu" typeface="Gautami"/>
+        <a:font script="Taml" typeface="Latha"/>
+        <a:font script="Syrc" typeface="Estrangelo Edessa"/>
+        <a:font script="Orya" typeface="Kalinga"/>
+        <a:font script="Mlym" typeface="Kartika"/>
+        <a:font script="Laoo" typeface="DokChampa"/>
+        <a:font script="Sinh" typeface="Iskoola Pota"/>
+        <a:font script="Mong" typeface="Mongolian Baiti"/>
+        <a:font script="Viet" typeface="Tahoma"/>
         <a:font script="Uigh" typeface="Microsoft Uighur"/>
         <a:font script="Geor" typeface="Sylfaen"/>
       </a:minorFont>

--- a/Gerencia del Proyecto/Roles/OrganigramaEquipo.pptx
+++ b/Gerencia del Proyecto/Roles/OrganigramaEquipo.pptx
@@ -243,7 +243,7 @@
           <a:p>
             <a:fld id="{EF8C5229-5677-4191-B782-B48EE3907174}" type="datetimeFigureOut">
               <a:rPr lang="es-CO" smtClean="0"/>
-              <a:t>5/04/18</a:t>
+              <a:t>31/05/2018</a:t>
             </a:fld>
             <a:endParaRPr lang="es-CO"/>
           </a:p>
@@ -413,7 +413,7 @@
           <a:p>
             <a:fld id="{EF8C5229-5677-4191-B782-B48EE3907174}" type="datetimeFigureOut">
               <a:rPr lang="es-CO" smtClean="0"/>
-              <a:t>5/04/18</a:t>
+              <a:t>31/05/2018</a:t>
             </a:fld>
             <a:endParaRPr lang="es-CO"/>
           </a:p>
@@ -593,7 +593,7 @@
           <a:p>
             <a:fld id="{EF8C5229-5677-4191-B782-B48EE3907174}" type="datetimeFigureOut">
               <a:rPr lang="es-CO" smtClean="0"/>
-              <a:t>5/04/18</a:t>
+              <a:t>31/05/2018</a:t>
             </a:fld>
             <a:endParaRPr lang="es-CO"/>
           </a:p>
@@ -763,7 +763,7 @@
           <a:p>
             <a:fld id="{EF8C5229-5677-4191-B782-B48EE3907174}" type="datetimeFigureOut">
               <a:rPr lang="es-CO" smtClean="0"/>
-              <a:t>5/04/18</a:t>
+              <a:t>31/05/2018</a:t>
             </a:fld>
             <a:endParaRPr lang="es-CO"/>
           </a:p>
@@ -1009,7 +1009,7 @@
           <a:p>
             <a:fld id="{EF8C5229-5677-4191-B782-B48EE3907174}" type="datetimeFigureOut">
               <a:rPr lang="es-CO" smtClean="0"/>
-              <a:t>5/04/18</a:t>
+              <a:t>31/05/2018</a:t>
             </a:fld>
             <a:endParaRPr lang="es-CO"/>
           </a:p>
@@ -1241,7 +1241,7 @@
           <a:p>
             <a:fld id="{EF8C5229-5677-4191-B782-B48EE3907174}" type="datetimeFigureOut">
               <a:rPr lang="es-CO" smtClean="0"/>
-              <a:t>5/04/18</a:t>
+              <a:t>31/05/2018</a:t>
             </a:fld>
             <a:endParaRPr lang="es-CO"/>
           </a:p>
@@ -1608,7 +1608,7 @@
           <a:p>
             <a:fld id="{EF8C5229-5677-4191-B782-B48EE3907174}" type="datetimeFigureOut">
               <a:rPr lang="es-CO" smtClean="0"/>
-              <a:t>5/04/18</a:t>
+              <a:t>31/05/2018</a:t>
             </a:fld>
             <a:endParaRPr lang="es-CO"/>
           </a:p>
@@ -1726,7 +1726,7 @@
           <a:p>
             <a:fld id="{EF8C5229-5677-4191-B782-B48EE3907174}" type="datetimeFigureOut">
               <a:rPr lang="es-CO" smtClean="0"/>
-              <a:t>5/04/18</a:t>
+              <a:t>31/05/2018</a:t>
             </a:fld>
             <a:endParaRPr lang="es-CO"/>
           </a:p>
@@ -1821,7 +1821,7 @@
           <a:p>
             <a:fld id="{EF8C5229-5677-4191-B782-B48EE3907174}" type="datetimeFigureOut">
               <a:rPr lang="es-CO" smtClean="0"/>
-              <a:t>5/04/18</a:t>
+              <a:t>31/05/2018</a:t>
             </a:fld>
             <a:endParaRPr lang="es-CO"/>
           </a:p>
@@ -2098,7 +2098,7 @@
           <a:p>
             <a:fld id="{EF8C5229-5677-4191-B782-B48EE3907174}" type="datetimeFigureOut">
               <a:rPr lang="es-CO" smtClean="0"/>
-              <a:t>5/04/18</a:t>
+              <a:t>31/05/2018</a:t>
             </a:fld>
             <a:endParaRPr lang="es-CO"/>
           </a:p>
@@ -2355,7 +2355,7 @@
           <a:p>
             <a:fld id="{EF8C5229-5677-4191-B782-B48EE3907174}" type="datetimeFigureOut">
               <a:rPr lang="es-CO" smtClean="0"/>
-              <a:t>5/04/18</a:t>
+              <a:t>31/05/2018</a:t>
             </a:fld>
             <a:endParaRPr lang="es-CO"/>
           </a:p>
@@ -2568,7 +2568,7 @@
           <a:p>
             <a:fld id="{EF8C5229-5677-4191-B782-B48EE3907174}" type="datetimeFigureOut">
               <a:rPr lang="es-CO" smtClean="0"/>
-              <a:t>5/04/18</a:t>
+              <a:t>31/05/2018</a:t>
             </a:fld>
             <a:endParaRPr lang="es-CO"/>
           </a:p>
@@ -3143,8 +3143,7 @@
           </a:prstGeom>
           <a:solidFill>
             <a:schemeClr val="accent4">
-              <a:lumMod val="60000"/>
-              <a:lumOff val="40000"/>
+              <a:lumMod val="75000"/>
             </a:schemeClr>
           </a:solidFill>
           <a:ln>
@@ -3223,8 +3222,7 @@
           </a:prstGeom>
           <a:solidFill>
             <a:schemeClr val="accent2">
-              <a:lumMod val="60000"/>
-              <a:lumOff val="40000"/>
+              <a:lumMod val="75000"/>
             </a:schemeClr>
           </a:solidFill>
           <a:ln>
@@ -3377,7 +3375,7 @@
           </a:prstGeom>
           <a:solidFill>
             <a:schemeClr val="accent2">
-              <a:lumMod val="75000"/>
+              <a:lumMod val="50000"/>
             </a:schemeClr>
           </a:solidFill>
           <a:ln>
@@ -3456,8 +3454,7 @@
           </a:prstGeom>
           <a:solidFill>
             <a:schemeClr val="accent4">
-              <a:lumMod val="60000"/>
-              <a:lumOff val="40000"/>
+              <a:lumMod val="50000"/>
             </a:schemeClr>
           </a:solidFill>
           <a:ln>
@@ -3531,8 +3528,7 @@
           </a:prstGeom>
           <a:solidFill>
             <a:schemeClr val="accent2">
-              <a:lumMod val="60000"/>
-              <a:lumOff val="40000"/>
+              <a:lumMod val="75000"/>
             </a:schemeClr>
           </a:solidFill>
           <a:ln>
